--- a/Planification/Design III (intégration).pptx
+++ b/Planification/Design III (intégration).pptx
@@ -8,16 +8,17 @@
     <p:sldId id="256" r:id="rId2"/>
     <p:sldId id="257" r:id="rId3"/>
     <p:sldId id="258" r:id="rId4"/>
-    <p:sldId id="259" r:id="rId5"/>
-    <p:sldId id="260" r:id="rId6"/>
-    <p:sldId id="261" r:id="rId7"/>
-    <p:sldId id="262" r:id="rId8"/>
-    <p:sldId id="263" r:id="rId9"/>
-    <p:sldId id="264" r:id="rId10"/>
-    <p:sldId id="265" r:id="rId11"/>
-    <p:sldId id="266" r:id="rId12"/>
-    <p:sldId id="267" r:id="rId13"/>
-    <p:sldId id="268" r:id="rId14"/>
+    <p:sldId id="269" r:id="rId5"/>
+    <p:sldId id="259" r:id="rId6"/>
+    <p:sldId id="260" r:id="rId7"/>
+    <p:sldId id="261" r:id="rId8"/>
+    <p:sldId id="262" r:id="rId9"/>
+    <p:sldId id="263" r:id="rId10"/>
+    <p:sldId id="264" r:id="rId11"/>
+    <p:sldId id="265" r:id="rId12"/>
+    <p:sldId id="266" r:id="rId13"/>
+    <p:sldId id="267" r:id="rId14"/>
+    <p:sldId id="268" r:id="rId15"/>
   </p:sldIdLst>
   <p:sldSz cx="12192000" cy="6858000"/>
   <p:notesSz cx="6858000" cy="9144000"/>
@@ -116,6 +117,11 @@
       </a:defRPr>
     </a:lvl9pPr>
   </p:defaultTextStyle>
+  <p:extLst>
+    <p:ext uri="{EFAFB233-063F-42B5-8137-9DF3F51BA10A}">
+      <p15:sldGuideLst xmlns:p15="http://schemas.microsoft.com/office/powerpoint/2012/main"/>
+    </p:ext>
+  </p:extLst>
 </p:presentation>
 </file>
 
@@ -332,7 +338,7 @@
           <a:p>
             <a:fld id="{7B01047F-0817-431C-8A15-F87B2D56812B}" type="datetimeFigureOut">
               <a:rPr lang="fr-CA" smtClean="0"/>
-              <a:t>2016-02-21</a:t>
+              <a:t>2016-02-23</a:t>
             </a:fld>
             <a:endParaRPr lang="fr-CA"/>
           </a:p>
@@ -374,7 +380,7 @@
           <a:p>
             <a:fld id="{9E155C18-A59B-4655-A547-AADD314542C0}" type="slidenum">
               <a:rPr lang="fr-CA" smtClean="0"/>
-              <a:t>‹N°›</a:t>
+              <a:t>‹#›</a:t>
             </a:fld>
             <a:endParaRPr lang="fr-CA"/>
           </a:p>
@@ -623,7 +629,7 @@
           <a:p>
             <a:fld id="{7B01047F-0817-431C-8A15-F87B2D56812B}" type="datetimeFigureOut">
               <a:rPr lang="fr-CA" smtClean="0"/>
-              <a:t>2016-02-21</a:t>
+              <a:t>2016-02-23</a:t>
             </a:fld>
             <a:endParaRPr lang="fr-CA"/>
           </a:p>
@@ -665,7 +671,7 @@
           <a:p>
             <a:fld id="{9E155C18-A59B-4655-A547-AADD314542C0}" type="slidenum">
               <a:rPr lang="fr-CA" smtClean="0"/>
-              <a:t>‹N°›</a:t>
+              <a:t>‹#›</a:t>
             </a:fld>
             <a:endParaRPr lang="fr-CA"/>
           </a:p>
@@ -882,7 +888,7 @@
           <a:p>
             <a:fld id="{7B01047F-0817-431C-8A15-F87B2D56812B}" type="datetimeFigureOut">
               <a:rPr lang="fr-CA" smtClean="0"/>
-              <a:t>2016-02-21</a:t>
+              <a:t>2016-02-23</a:t>
             </a:fld>
             <a:endParaRPr lang="fr-CA"/>
           </a:p>
@@ -924,7 +930,7 @@
           <a:p>
             <a:fld id="{9E155C18-A59B-4655-A547-AADD314542C0}" type="slidenum">
               <a:rPr lang="fr-CA" smtClean="0"/>
-              <a:t>‹N°›</a:t>
+              <a:t>‹#›</a:t>
             </a:fld>
             <a:endParaRPr lang="fr-CA"/>
           </a:p>
@@ -1351,7 +1357,7 @@
           <a:p>
             <a:fld id="{7B01047F-0817-431C-8A15-F87B2D56812B}" type="datetimeFigureOut">
               <a:rPr lang="fr-CA" smtClean="0"/>
-              <a:t>2016-02-21</a:t>
+              <a:t>2016-02-23</a:t>
             </a:fld>
             <a:endParaRPr lang="fr-CA"/>
           </a:p>
@@ -1393,7 +1399,7 @@
           <a:p>
             <a:fld id="{9E155C18-A59B-4655-A547-AADD314542C0}" type="slidenum">
               <a:rPr lang="fr-CA" smtClean="0"/>
-              <a:t>‹N°›</a:t>
+              <a:t>‹#›</a:t>
             </a:fld>
             <a:endParaRPr lang="fr-CA"/>
           </a:p>
@@ -1531,7 +1537,7 @@
           <a:p>
             <a:fld id="{7B01047F-0817-431C-8A15-F87B2D56812B}" type="datetimeFigureOut">
               <a:rPr lang="fr-CA" smtClean="0"/>
-              <a:t>2016-02-21</a:t>
+              <a:t>2016-02-23</a:t>
             </a:fld>
             <a:endParaRPr lang="fr-CA"/>
           </a:p>
@@ -1573,7 +1579,7 @@
           <a:p>
             <a:fld id="{9E155C18-A59B-4655-A547-AADD314542C0}" type="slidenum">
               <a:rPr lang="fr-CA" smtClean="0"/>
-              <a:t>‹N°›</a:t>
+              <a:t>‹#›</a:t>
             </a:fld>
             <a:endParaRPr lang="fr-CA"/>
           </a:p>
@@ -2107,7 +2113,7 @@
           <a:p>
             <a:fld id="{7B01047F-0817-431C-8A15-F87B2D56812B}" type="datetimeFigureOut">
               <a:rPr lang="fr-CA" smtClean="0"/>
-              <a:t>2016-02-21</a:t>
+              <a:t>2016-02-23</a:t>
             </a:fld>
             <a:endParaRPr lang="fr-CA"/>
           </a:p>
@@ -2149,7 +2155,7 @@
           <a:p>
             <a:fld id="{9E155C18-A59B-4655-A547-AADD314542C0}" type="slidenum">
               <a:rPr lang="fr-CA" smtClean="0"/>
-              <a:t>‹N°›</a:t>
+              <a:t>‹#›</a:t>
             </a:fld>
             <a:endParaRPr lang="fr-CA"/>
           </a:p>
@@ -2439,7 +2445,7 @@
           <a:p>
             <a:fld id="{7B01047F-0817-431C-8A15-F87B2D56812B}" type="datetimeFigureOut">
               <a:rPr lang="fr-CA" smtClean="0"/>
-              <a:t>2016-02-21</a:t>
+              <a:t>2016-02-23</a:t>
             </a:fld>
             <a:endParaRPr lang="fr-CA"/>
           </a:p>
@@ -2481,7 +2487,7 @@
           <a:p>
             <a:fld id="{9E155C18-A59B-4655-A547-AADD314542C0}" type="slidenum">
               <a:rPr lang="fr-CA" smtClean="0"/>
-              <a:t>‹N°›</a:t>
+              <a:t>‹#›</a:t>
             </a:fld>
             <a:endParaRPr lang="fr-CA"/>
           </a:p>
@@ -2614,7 +2620,7 @@
           <a:p>
             <a:fld id="{7B01047F-0817-431C-8A15-F87B2D56812B}" type="datetimeFigureOut">
               <a:rPr lang="fr-CA" smtClean="0"/>
-              <a:t>2016-02-21</a:t>
+              <a:t>2016-02-23</a:t>
             </a:fld>
             <a:endParaRPr lang="fr-CA"/>
           </a:p>
@@ -2656,7 +2662,7 @@
           <a:p>
             <a:fld id="{9E155C18-A59B-4655-A547-AADD314542C0}" type="slidenum">
               <a:rPr lang="fr-CA" smtClean="0"/>
-              <a:t>‹N°›</a:t>
+              <a:t>‹#›</a:t>
             </a:fld>
             <a:endParaRPr lang="fr-CA"/>
           </a:p>
@@ -2794,7 +2800,7 @@
           <a:p>
             <a:fld id="{7B01047F-0817-431C-8A15-F87B2D56812B}" type="datetimeFigureOut">
               <a:rPr lang="fr-CA" smtClean="0"/>
-              <a:t>2016-02-21</a:t>
+              <a:t>2016-02-23</a:t>
             </a:fld>
             <a:endParaRPr lang="fr-CA"/>
           </a:p>
@@ -2836,7 +2842,7 @@
           <a:p>
             <a:fld id="{9E155C18-A59B-4655-A547-AADD314542C0}" type="slidenum">
               <a:rPr lang="fr-CA" smtClean="0"/>
-              <a:t>‹N°›</a:t>
+              <a:t>‹#›</a:t>
             </a:fld>
             <a:endParaRPr lang="fr-CA"/>
           </a:p>
@@ -2964,7 +2970,7 @@
           <a:p>
             <a:fld id="{7B01047F-0817-431C-8A15-F87B2D56812B}" type="datetimeFigureOut">
               <a:rPr lang="fr-CA" smtClean="0"/>
-              <a:t>2016-02-21</a:t>
+              <a:t>2016-02-23</a:t>
             </a:fld>
             <a:endParaRPr lang="fr-CA"/>
           </a:p>
@@ -3006,7 +3012,7 @@
           <a:p>
             <a:fld id="{9E155C18-A59B-4655-A547-AADD314542C0}" type="slidenum">
               <a:rPr lang="fr-CA" smtClean="0"/>
-              <a:t>‹N°›</a:t>
+              <a:t>‹#›</a:t>
             </a:fld>
             <a:endParaRPr lang="fr-CA"/>
           </a:p>
@@ -3221,7 +3227,7 @@
           <a:p>
             <a:fld id="{7B01047F-0817-431C-8A15-F87B2D56812B}" type="datetimeFigureOut">
               <a:rPr lang="fr-CA" smtClean="0"/>
-              <a:t>2016-02-21</a:t>
+              <a:t>2016-02-23</a:t>
             </a:fld>
             <a:endParaRPr lang="fr-CA"/>
           </a:p>
@@ -3263,7 +3269,7 @@
           <a:p>
             <a:fld id="{9E155C18-A59B-4655-A547-AADD314542C0}" type="slidenum">
               <a:rPr lang="fr-CA" smtClean="0"/>
-              <a:t>‹N°›</a:t>
+              <a:t>‹#›</a:t>
             </a:fld>
             <a:endParaRPr lang="fr-CA"/>
           </a:p>
@@ -3513,7 +3519,7 @@
           <a:p>
             <a:fld id="{7B01047F-0817-431C-8A15-F87B2D56812B}" type="datetimeFigureOut">
               <a:rPr lang="fr-CA" smtClean="0"/>
-              <a:t>2016-02-21</a:t>
+              <a:t>2016-02-23</a:t>
             </a:fld>
             <a:endParaRPr lang="fr-CA"/>
           </a:p>
@@ -3555,7 +3561,7 @@
           <a:p>
             <a:fld id="{9E155C18-A59B-4655-A547-AADD314542C0}" type="slidenum">
               <a:rPr lang="fr-CA" smtClean="0"/>
-              <a:t>‹N°›</a:t>
+              <a:t>‹#›</a:t>
             </a:fld>
             <a:endParaRPr lang="fr-CA"/>
           </a:p>
@@ -3943,7 +3949,7 @@
           <a:p>
             <a:fld id="{7B01047F-0817-431C-8A15-F87B2D56812B}" type="datetimeFigureOut">
               <a:rPr lang="fr-CA" smtClean="0"/>
-              <a:t>2016-02-21</a:t>
+              <a:t>2016-02-23</a:t>
             </a:fld>
             <a:endParaRPr lang="fr-CA"/>
           </a:p>
@@ -3985,7 +3991,7 @@
           <a:p>
             <a:fld id="{9E155C18-A59B-4655-A547-AADD314542C0}" type="slidenum">
               <a:rPr lang="fr-CA" smtClean="0"/>
-              <a:t>‹N°›</a:t>
+              <a:t>‹#›</a:t>
             </a:fld>
             <a:endParaRPr lang="fr-CA"/>
           </a:p>
@@ -4061,7 +4067,7 @@
           <a:p>
             <a:fld id="{7B01047F-0817-431C-8A15-F87B2D56812B}" type="datetimeFigureOut">
               <a:rPr lang="fr-CA" smtClean="0"/>
-              <a:t>2016-02-21</a:t>
+              <a:t>2016-02-23</a:t>
             </a:fld>
             <a:endParaRPr lang="fr-CA"/>
           </a:p>
@@ -4103,7 +4109,7 @@
           <a:p>
             <a:fld id="{9E155C18-A59B-4655-A547-AADD314542C0}" type="slidenum">
               <a:rPr lang="fr-CA" smtClean="0"/>
-              <a:t>‹N°›</a:t>
+              <a:t>‹#›</a:t>
             </a:fld>
             <a:endParaRPr lang="fr-CA"/>
           </a:p>
@@ -4156,7 +4162,7 @@
           <a:p>
             <a:fld id="{7B01047F-0817-431C-8A15-F87B2D56812B}" type="datetimeFigureOut">
               <a:rPr lang="fr-CA" smtClean="0"/>
-              <a:t>2016-02-21</a:t>
+              <a:t>2016-02-23</a:t>
             </a:fld>
             <a:endParaRPr lang="fr-CA"/>
           </a:p>
@@ -4198,7 +4204,7 @@
           <a:p>
             <a:fld id="{9E155C18-A59B-4655-A547-AADD314542C0}" type="slidenum">
               <a:rPr lang="fr-CA" smtClean="0"/>
-              <a:t>‹N°›</a:t>
+              <a:t>‹#›</a:t>
             </a:fld>
             <a:endParaRPr lang="fr-CA"/>
           </a:p>
@@ -4439,7 +4445,7 @@
           <a:p>
             <a:fld id="{7B01047F-0817-431C-8A15-F87B2D56812B}" type="datetimeFigureOut">
               <a:rPr lang="fr-CA" smtClean="0"/>
-              <a:t>2016-02-21</a:t>
+              <a:t>2016-02-23</a:t>
             </a:fld>
             <a:endParaRPr lang="fr-CA"/>
           </a:p>
@@ -4481,7 +4487,7 @@
           <a:p>
             <a:fld id="{9E155C18-A59B-4655-A547-AADD314542C0}" type="slidenum">
               <a:rPr lang="fr-CA" smtClean="0"/>
-              <a:t>‹N°›</a:t>
+              <a:t>‹#›</a:t>
             </a:fld>
             <a:endParaRPr lang="fr-CA"/>
           </a:p>
@@ -4730,7 +4736,7 @@
           <a:p>
             <a:fld id="{7B01047F-0817-431C-8A15-F87B2D56812B}" type="datetimeFigureOut">
               <a:rPr lang="fr-CA" smtClean="0"/>
-              <a:t>2016-02-21</a:t>
+              <a:t>2016-02-23</a:t>
             </a:fld>
             <a:endParaRPr lang="fr-CA"/>
           </a:p>
@@ -4782,7 +4788,7 @@
           <a:p>
             <a:fld id="{9E155C18-A59B-4655-A547-AADD314542C0}" type="slidenum">
               <a:rPr lang="fr-CA" smtClean="0"/>
-              <a:t>‹N°›</a:t>
+              <a:t>‹#›</a:t>
             </a:fld>
             <a:endParaRPr lang="fr-CA"/>
           </a:p>
@@ -4961,7 +4967,7 @@
           <a:p>
             <a:fld id="{7B01047F-0817-431C-8A15-F87B2D56812B}" type="datetimeFigureOut">
               <a:rPr lang="fr-CA" smtClean="0"/>
-              <a:t>2016-02-21</a:t>
+              <a:t>2016-02-23</a:t>
             </a:fld>
             <a:endParaRPr lang="fr-CA"/>
           </a:p>
@@ -5055,7 +5061,7 @@
           <a:p>
             <a:fld id="{9E155C18-A59B-4655-A547-AADD314542C0}" type="slidenum">
               <a:rPr lang="fr-CA" smtClean="0"/>
-              <a:t>‹N°›</a:t>
+              <a:t>‹#›</a:t>
             </a:fld>
             <a:endParaRPr lang="fr-CA"/>
           </a:p>
@@ -5769,7 +5775,6 @@
               <a:rPr lang="fr-CA" dirty="0"/>
               <a:t>Pirates des Caraïbes</a:t>
             </a:r>
-            <a:endParaRPr lang="fr-CA" dirty="0"/>
           </a:p>
         </p:txBody>
       </p:sp>
@@ -6139,7 +6144,7 @@
           <a:p>
             <a:r>
               <a:rPr lang="fr-CA" sz="3600" b="1" i="1" dirty="0" smtClean="0"/>
-              <a:t>Contrôle de la caméra</a:t>
+              <a:t>Planification de la trajectoire</a:t>
             </a:r>
             <a:endParaRPr lang="fr-CA" sz="3600" b="1" i="1" dirty="0"/>
           </a:p>
@@ -6174,7 +6179,7 @@
     </p:spTree>
     <p:extLst>
       <p:ext uri="{BB962C8B-B14F-4D97-AF65-F5344CB8AC3E}">
-        <p14:creationId xmlns:p14="http://schemas.microsoft.com/office/powerpoint/2010/main" val="3070798800"/>
+        <p14:creationId xmlns:p14="http://schemas.microsoft.com/office/powerpoint/2010/main" val="2268939083"/>
       </p:ext>
     </p:extLst>
   </p:cSld>
@@ -6232,7 +6237,7 @@
           <a:p>
             <a:r>
               <a:rPr lang="fr-CA" sz="3600" b="1" i="1" dirty="0" smtClean="0"/>
-              <a:t>Système de vision</a:t>
+              <a:t>Contrôle de la caméra</a:t>
             </a:r>
             <a:endParaRPr lang="fr-CA" sz="3600" b="1" i="1" dirty="0"/>
           </a:p>
@@ -6267,7 +6272,7 @@
     </p:spTree>
     <p:extLst>
       <p:ext uri="{BB962C8B-B14F-4D97-AF65-F5344CB8AC3E}">
-        <p14:creationId xmlns:p14="http://schemas.microsoft.com/office/powerpoint/2010/main" val="2319069263"/>
+        <p14:creationId xmlns:p14="http://schemas.microsoft.com/office/powerpoint/2010/main" val="3070798800"/>
       </p:ext>
     </p:extLst>
   </p:cSld>
@@ -6313,6 +6318,99 @@
         </p:nvSpPr>
         <p:spPr>
           <a:xfrm>
+            <a:off x="0" y="0"/>
+            <a:ext cx="9905998" cy="1905000"/>
+          </a:xfrm>
+        </p:spPr>
+        <p:txBody>
+          <a:bodyPr>
+            <a:normAutofit/>
+          </a:bodyPr>
+          <a:lstStyle/>
+          <a:p>
+            <a:r>
+              <a:rPr lang="fr-CA" sz="3600" b="1" i="1" dirty="0" smtClean="0"/>
+              <a:t>Système de vision</a:t>
+            </a:r>
+            <a:endParaRPr lang="fr-CA" sz="3600" b="1" i="1" dirty="0"/>
+          </a:p>
+        </p:txBody>
+      </p:sp>
+      <p:sp>
+        <p:nvSpPr>
+          <p:cNvPr id="3" name="Espace réservé du contenu 2"/>
+          <p:cNvSpPr>
+            <a:spLocks noGrp="1"/>
+          </p:cNvSpPr>
+          <p:nvPr>
+            <p:ph idx="1"/>
+          </p:nvPr>
+        </p:nvSpPr>
+        <p:spPr>
+          <a:xfrm>
+            <a:off x="0" y="2245658"/>
+            <a:ext cx="9905998" cy="3124201"/>
+          </a:xfrm>
+        </p:spPr>
+        <p:txBody>
+          <a:bodyPr>
+            <a:normAutofit/>
+          </a:bodyPr>
+          <a:lstStyle/>
+          <a:p>
+            <a:endParaRPr lang="fr-CA" sz="2400" dirty="0"/>
+          </a:p>
+        </p:txBody>
+      </p:sp>
+    </p:spTree>
+    <p:extLst>
+      <p:ext uri="{BB962C8B-B14F-4D97-AF65-F5344CB8AC3E}">
+        <p14:creationId xmlns:p14="http://schemas.microsoft.com/office/powerpoint/2010/main" val="2319069263"/>
+      </p:ext>
+    </p:extLst>
+  </p:cSld>
+  <p:clrMapOvr>
+    <a:masterClrMapping/>
+  </p:clrMapOvr>
+  <p:timing>
+    <p:tnLst>
+      <p:par>
+        <p:cTn id="1" dur="indefinite" restart="never" nodeType="tmRoot"/>
+      </p:par>
+    </p:tnLst>
+  </p:timing>
+</p:sld>
+</file>
+
+<file path=ppt/slides/slide13.xml><?xml version="1.0" encoding="utf-8"?>
+<p:sld xmlns:a="http://schemas.openxmlformats.org/drawingml/2006/main" xmlns:r="http://schemas.openxmlformats.org/officeDocument/2006/relationships" xmlns:p="http://schemas.openxmlformats.org/presentationml/2006/main">
+  <p:cSld>
+    <p:spTree>
+      <p:nvGrpSpPr>
+        <p:cNvPr id="1" name=""/>
+        <p:cNvGrpSpPr/>
+        <p:nvPr/>
+      </p:nvGrpSpPr>
+      <p:grpSpPr>
+        <a:xfrm>
+          <a:off x="0" y="0"/>
+          <a:ext cx="0" cy="0"/>
+          <a:chOff x="0" y="0"/>
+          <a:chExt cx="0" cy="0"/>
+        </a:xfrm>
+      </p:grpSpPr>
+      <p:sp>
+        <p:nvSpPr>
+          <p:cNvPr id="2" name="Titre 1"/>
+          <p:cNvSpPr>
+            <a:spLocks noGrp="1"/>
+          </p:cNvSpPr>
+          <p:nvPr>
+            <p:ph type="title"/>
+          </p:nvPr>
+        </p:nvSpPr>
+        <p:spPr>
+          <a:xfrm>
             <a:off x="-1" y="0"/>
             <a:ext cx="12030635" cy="1905000"/>
           </a:xfrm>
@@ -6439,7 +6537,7 @@
 </p:sld>
 </file>
 
-<file path=ppt/slides/slide13.xml><?xml version="1.0" encoding="utf-8"?>
+<file path=ppt/slides/slide14.xml><?xml version="1.0" encoding="utf-8"?>
 <p:sld xmlns:a="http://schemas.openxmlformats.org/drawingml/2006/main" xmlns:r="http://schemas.openxmlformats.org/officeDocument/2006/relationships" xmlns:p="http://schemas.openxmlformats.org/presentationml/2006/main">
   <p:cSld>
     <p:spTree>
@@ -6778,6 +6876,43 @@
           </a:bodyPr>
           <a:lstStyle/>
           <a:p>
+            <a:r>
+              <a:rPr lang="fr-CA" sz="2400" dirty="0" smtClean="0"/>
+              <a:t>Connexion Wifi entre la station de base et l’ordinateur embarqué</a:t>
+            </a:r>
+          </a:p>
+          <a:p>
+            <a:r>
+              <a:rPr lang="fr-CA" sz="2400" dirty="0" smtClean="0"/>
+              <a:t>Réseau Local</a:t>
+            </a:r>
+          </a:p>
+          <a:p>
+            <a:r>
+              <a:rPr lang="fr-CA" sz="2400" dirty="0" smtClean="0"/>
+              <a:t>Protocole TCP</a:t>
+            </a:r>
+          </a:p>
+          <a:p>
+            <a:r>
+              <a:rPr lang="fr-CA" sz="2400" dirty="0" smtClean="0"/>
+              <a:t>Résistant à la perte de paquet</a:t>
+            </a:r>
+          </a:p>
+          <a:p>
+            <a:r>
+              <a:rPr lang="fr-CA" sz="2400" dirty="0" smtClean="0"/>
+              <a:t>Serveur/Client</a:t>
+            </a:r>
+            <a:endParaRPr lang="fr-CA" sz="2400" dirty="0" smtClean="0"/>
+          </a:p>
+          <a:p>
+            <a:r>
+              <a:rPr lang="fr-CA" sz="2400" dirty="0" smtClean="0"/>
+              <a:t>Échange de fichier JSON</a:t>
+            </a:r>
+          </a:p>
+          <a:p>
             <a:endParaRPr lang="fr-CA" sz="2400" dirty="0"/>
           </a:p>
         </p:txBody>
@@ -6821,6 +6956,138 @@
       </p:grpSpPr>
       <p:sp>
         <p:nvSpPr>
+          <p:cNvPr id="2" name="Title 1"/>
+          <p:cNvSpPr>
+            <a:spLocks noGrp="1"/>
+          </p:cNvSpPr>
+          <p:nvPr>
+            <p:ph type="title"/>
+          </p:nvPr>
+        </p:nvSpPr>
+        <p:spPr>
+          <a:xfrm>
+            <a:off x="178887" y="224590"/>
+            <a:ext cx="9905998" cy="1905000"/>
+          </a:xfrm>
+        </p:spPr>
+        <p:txBody>
+          <a:bodyPr/>
+          <a:lstStyle/>
+          <a:p>
+            <a:r>
+              <a:rPr lang="en-US" dirty="0" smtClean="0"/>
+              <a:t>Communication entre les modules</a:t>
+            </a:r>
+            <a:endParaRPr lang="en-US" dirty="0"/>
+          </a:p>
+        </p:txBody>
+      </p:sp>
+      <p:sp>
+        <p:nvSpPr>
+          <p:cNvPr id="3" name="Content Placeholder 2"/>
+          <p:cNvSpPr>
+            <a:spLocks noGrp="1"/>
+          </p:cNvSpPr>
+          <p:nvPr>
+            <p:ph idx="1"/>
+          </p:nvPr>
+        </p:nvSpPr>
+        <p:spPr/>
+        <p:txBody>
+          <a:bodyPr/>
+          <a:lstStyle/>
+          <a:p>
+            <a:r>
+              <a:rPr lang="en-US" dirty="0" smtClean="0"/>
+              <a:t>Communication Arduino – </a:t>
+            </a:r>
+            <a:r>
+              <a:rPr lang="en-US" dirty="0" err="1" smtClean="0"/>
+              <a:t>Servomoteurs</a:t>
+            </a:r>
+            <a:r>
+              <a:rPr lang="en-US" dirty="0"/>
+              <a:t> </a:t>
+            </a:r>
+            <a:r>
+              <a:rPr lang="en-US" dirty="0" smtClean="0"/>
+              <a:t>(UART – Transmit only)</a:t>
+            </a:r>
+          </a:p>
+          <a:p>
+            <a:r>
+              <a:rPr lang="en-US" dirty="0" smtClean="0"/>
+              <a:t>Communication Arduino – </a:t>
+            </a:r>
+            <a:r>
+              <a:rPr lang="en-US" dirty="0" err="1" smtClean="0"/>
+              <a:t>Ordinateur</a:t>
+            </a:r>
+            <a:r>
+              <a:rPr lang="en-US" dirty="0" smtClean="0"/>
+              <a:t> </a:t>
+            </a:r>
+            <a:r>
+              <a:rPr lang="en-US" dirty="0" err="1" smtClean="0"/>
+              <a:t>Embarqué</a:t>
+            </a:r>
+            <a:r>
+              <a:rPr lang="en-US" dirty="0" smtClean="0"/>
+              <a:t> (UART – via le port USB)</a:t>
+            </a:r>
+          </a:p>
+          <a:p>
+            <a:r>
+              <a:rPr lang="en-US" dirty="0" err="1" smtClean="0"/>
+              <a:t>Simplicité</a:t>
+            </a:r>
+            <a:r>
+              <a:rPr lang="en-US" dirty="0" smtClean="0"/>
+              <a:t> </a:t>
+            </a:r>
+            <a:r>
+              <a:rPr lang="en-US" dirty="0" err="1" smtClean="0"/>
+              <a:t>d’implementation</a:t>
+            </a:r>
+            <a:endParaRPr lang="en-US" dirty="0" smtClean="0"/>
+          </a:p>
+          <a:p>
+            <a:endParaRPr lang="en-US" dirty="0"/>
+          </a:p>
+        </p:txBody>
+      </p:sp>
+    </p:spTree>
+    <p:extLst>
+      <p:ext uri="{BB962C8B-B14F-4D97-AF65-F5344CB8AC3E}">
+        <p14:creationId xmlns:p14="http://schemas.microsoft.com/office/powerpoint/2010/main" val="3580477606"/>
+      </p:ext>
+    </p:extLst>
+  </p:cSld>
+  <p:clrMapOvr>
+    <a:masterClrMapping/>
+  </p:clrMapOvr>
+</p:sld>
+</file>
+
+<file path=ppt/slides/slide5.xml><?xml version="1.0" encoding="utf-8"?>
+<p:sld xmlns:a="http://schemas.openxmlformats.org/drawingml/2006/main" xmlns:r="http://schemas.openxmlformats.org/officeDocument/2006/relationships" xmlns:p="http://schemas.openxmlformats.org/presentationml/2006/main">
+  <p:cSld>
+    <p:spTree>
+      <p:nvGrpSpPr>
+        <p:cNvPr id="1" name=""/>
+        <p:cNvGrpSpPr/>
+        <p:nvPr/>
+      </p:nvGrpSpPr>
+      <p:grpSpPr>
+        <a:xfrm>
+          <a:off x="0" y="0"/>
+          <a:ext cx="0" cy="0"/>
+          <a:chOff x="0" y="0"/>
+          <a:chExt cx="0" cy="0"/>
+        </a:xfrm>
+      </p:grpSpPr>
+      <p:sp>
+        <p:nvSpPr>
           <p:cNvPr id="2" name="Titre 1"/>
           <p:cNvSpPr>
             <a:spLocks noGrp="1"/>
@@ -6895,7 +7162,7 @@
 </p:sld>
 </file>
 
-<file path=ppt/slides/slide5.xml><?xml version="1.0" encoding="utf-8"?>
+<file path=ppt/slides/slide6.xml><?xml version="1.0" encoding="utf-8"?>
 <p:sld xmlns:a="http://schemas.openxmlformats.org/drawingml/2006/main" xmlns:r="http://schemas.openxmlformats.org/officeDocument/2006/relationships" xmlns:p="http://schemas.openxmlformats.org/presentationml/2006/main">
   <p:cSld>
     <p:spTree>
@@ -6988,7 +7255,7 @@
 </p:sld>
 </file>
 
-<file path=ppt/slides/slide6.xml><?xml version="1.0" encoding="utf-8"?>
+<file path=ppt/slides/slide7.xml><?xml version="1.0" encoding="utf-8"?>
 <p:sld xmlns:a="http://schemas.openxmlformats.org/drawingml/2006/main" xmlns:r="http://schemas.openxmlformats.org/officeDocument/2006/relationships" xmlns:p="http://schemas.openxmlformats.org/presentationml/2006/main">
   <p:cSld>
     <p:spTree>
@@ -7160,114 +7427,13 @@
               <a:srgbClr val="C0C0C0"/>
             </a:contourClr>
           </a:sp3d>
-          <a:extLst>
-            <a:ext uri="{909E8E84-426E-40DD-AFC4-6F175D3DCCD1}">
-              <a14:hiddenFill xmlns:a14="http://schemas.microsoft.com/office/drawing/2010/main">
-                <a:solidFill>
-                  <a:srgbClr val="FFFFFF"/>
-                </a:solidFill>
-              </a14:hiddenFill>
-            </a:ext>
-          </a:extLst>
+          <a:extLst/>
         </p:spPr>
       </p:pic>
     </p:spTree>
     <p:extLst>
       <p:ext uri="{BB962C8B-B14F-4D97-AF65-F5344CB8AC3E}">
         <p14:creationId xmlns:p14="http://schemas.microsoft.com/office/powerpoint/2010/main" val="2769720626"/>
-      </p:ext>
-    </p:extLst>
-  </p:cSld>
-  <p:clrMapOvr>
-    <a:masterClrMapping/>
-  </p:clrMapOvr>
-  <p:timing>
-    <p:tnLst>
-      <p:par>
-        <p:cTn id="1" dur="indefinite" restart="never" nodeType="tmRoot"/>
-      </p:par>
-    </p:tnLst>
-  </p:timing>
-</p:sld>
-</file>
-
-<file path=ppt/slides/slide7.xml><?xml version="1.0" encoding="utf-8"?>
-<p:sld xmlns:a="http://schemas.openxmlformats.org/drawingml/2006/main" xmlns:r="http://schemas.openxmlformats.org/officeDocument/2006/relationships" xmlns:p="http://schemas.openxmlformats.org/presentationml/2006/main">
-  <p:cSld>
-    <p:spTree>
-      <p:nvGrpSpPr>
-        <p:cNvPr id="1" name=""/>
-        <p:cNvGrpSpPr/>
-        <p:nvPr/>
-      </p:nvGrpSpPr>
-      <p:grpSpPr>
-        <a:xfrm>
-          <a:off x="0" y="0"/>
-          <a:ext cx="0" cy="0"/>
-          <a:chOff x="0" y="0"/>
-          <a:chExt cx="0" cy="0"/>
-        </a:xfrm>
-      </p:grpSpPr>
-      <p:sp>
-        <p:nvSpPr>
-          <p:cNvPr id="2" name="Titre 1"/>
-          <p:cNvSpPr>
-            <a:spLocks noGrp="1"/>
-          </p:cNvSpPr>
-          <p:nvPr>
-            <p:ph type="title"/>
-          </p:nvPr>
-        </p:nvSpPr>
-        <p:spPr>
-          <a:xfrm>
-            <a:off x="0" y="0"/>
-            <a:ext cx="9905998" cy="1905000"/>
-          </a:xfrm>
-        </p:spPr>
-        <p:txBody>
-          <a:bodyPr>
-            <a:normAutofit/>
-          </a:bodyPr>
-          <a:lstStyle/>
-          <a:p>
-            <a:r>
-              <a:rPr lang="fr-CA" sz="3600" b="1" i="1" dirty="0" smtClean="0"/>
-              <a:t>Induction pour recharge</a:t>
-            </a:r>
-            <a:endParaRPr lang="fr-CA" sz="3600" b="1" i="1" dirty="0"/>
-          </a:p>
-        </p:txBody>
-      </p:sp>
-      <p:sp>
-        <p:nvSpPr>
-          <p:cNvPr id="3" name="Espace réservé du contenu 2"/>
-          <p:cNvSpPr>
-            <a:spLocks noGrp="1"/>
-          </p:cNvSpPr>
-          <p:nvPr>
-            <p:ph idx="1"/>
-          </p:nvPr>
-        </p:nvSpPr>
-        <p:spPr>
-          <a:xfrm>
-            <a:off x="0" y="2245658"/>
-            <a:ext cx="9905998" cy="3124201"/>
-          </a:xfrm>
-        </p:spPr>
-        <p:txBody>
-          <a:bodyPr>
-            <a:normAutofit/>
-          </a:bodyPr>
-          <a:lstStyle/>
-          <a:p>
-            <a:endParaRPr lang="fr-CA" sz="2400" dirty="0"/>
-          </a:p>
-        </p:txBody>
-      </p:sp>
-    </p:spTree>
-    <p:extLst>
-      <p:ext uri="{BB962C8B-B14F-4D97-AF65-F5344CB8AC3E}">
-        <p14:creationId xmlns:p14="http://schemas.microsoft.com/office/powerpoint/2010/main" val="1966553659"/>
       </p:ext>
     </p:extLst>
   </p:cSld>
@@ -7325,7 +7491,7 @@
           <a:p>
             <a:r>
               <a:rPr lang="fr-CA" sz="3600" b="1" i="1" dirty="0" smtClean="0"/>
-              <a:t>Interface de la station de base</a:t>
+              <a:t>Induction pour recharge</a:t>
             </a:r>
             <a:endParaRPr lang="fr-CA" sz="3600" b="1" i="1" dirty="0"/>
           </a:p>
@@ -7360,7 +7526,7 @@
     </p:spTree>
     <p:extLst>
       <p:ext uri="{BB962C8B-B14F-4D97-AF65-F5344CB8AC3E}">
-        <p14:creationId xmlns:p14="http://schemas.microsoft.com/office/powerpoint/2010/main" val="1637746881"/>
+        <p14:creationId xmlns:p14="http://schemas.microsoft.com/office/powerpoint/2010/main" val="1966553659"/>
       </p:ext>
     </p:extLst>
   </p:cSld>
@@ -7418,7 +7584,7 @@
           <a:p>
             <a:r>
               <a:rPr lang="fr-CA" sz="3600" b="1" i="1" dirty="0" smtClean="0"/>
-              <a:t>Planification de la trajectoire</a:t>
+              <a:t>Interface de la station de base</a:t>
             </a:r>
             <a:endParaRPr lang="fr-CA" sz="3600" b="1" i="1" dirty="0"/>
           </a:p>
@@ -7453,7 +7619,7 @@
     </p:spTree>
     <p:extLst>
       <p:ext uri="{BB962C8B-B14F-4D97-AF65-F5344CB8AC3E}">
-        <p14:creationId xmlns:p14="http://schemas.microsoft.com/office/powerpoint/2010/main" val="2268939083"/>
+        <p14:creationId xmlns:p14="http://schemas.microsoft.com/office/powerpoint/2010/main" val="1637746881"/>
       </p:ext>
     </p:extLst>
   </p:cSld>

--- a/Planification/Design III (intégration).pptx
+++ b/Planification/Design III (intégration).pptx
@@ -8,15 +8,15 @@
     <p:sldId id="256" r:id="rId2"/>
     <p:sldId id="257" r:id="rId3"/>
     <p:sldId id="258" r:id="rId4"/>
-    <p:sldId id="269" r:id="rId5"/>
-    <p:sldId id="259" r:id="rId6"/>
-    <p:sldId id="260" r:id="rId7"/>
-    <p:sldId id="261" r:id="rId8"/>
-    <p:sldId id="262" r:id="rId9"/>
-    <p:sldId id="263" r:id="rId10"/>
-    <p:sldId id="264" r:id="rId11"/>
-    <p:sldId id="265" r:id="rId12"/>
-    <p:sldId id="266" r:id="rId13"/>
+    <p:sldId id="270" r:id="rId5"/>
+    <p:sldId id="266" r:id="rId6"/>
+    <p:sldId id="259" r:id="rId7"/>
+    <p:sldId id="260" r:id="rId8"/>
+    <p:sldId id="261" r:id="rId9"/>
+    <p:sldId id="262" r:id="rId10"/>
+    <p:sldId id="263" r:id="rId11"/>
+    <p:sldId id="264" r:id="rId12"/>
+    <p:sldId id="265" r:id="rId13"/>
     <p:sldId id="267" r:id="rId14"/>
     <p:sldId id="268" r:id="rId15"/>
   </p:sldIdLst>
@@ -380,7 +380,7 @@
           <a:p>
             <a:fld id="{9E155C18-A59B-4655-A547-AADD314542C0}" type="slidenum">
               <a:rPr lang="fr-CA" smtClean="0"/>
-              <a:t>‹#›</a:t>
+              <a:t>‹N°›</a:t>
             </a:fld>
             <a:endParaRPr lang="fr-CA"/>
           </a:p>
@@ -671,7 +671,7 @@
           <a:p>
             <a:fld id="{9E155C18-A59B-4655-A547-AADD314542C0}" type="slidenum">
               <a:rPr lang="fr-CA" smtClean="0"/>
-              <a:t>‹#›</a:t>
+              <a:t>‹N°›</a:t>
             </a:fld>
             <a:endParaRPr lang="fr-CA"/>
           </a:p>
@@ -930,7 +930,7 @@
           <a:p>
             <a:fld id="{9E155C18-A59B-4655-A547-AADD314542C0}" type="slidenum">
               <a:rPr lang="fr-CA" smtClean="0"/>
-              <a:t>‹#›</a:t>
+              <a:t>‹N°›</a:t>
             </a:fld>
             <a:endParaRPr lang="fr-CA"/>
           </a:p>
@@ -1399,7 +1399,7 @@
           <a:p>
             <a:fld id="{9E155C18-A59B-4655-A547-AADD314542C0}" type="slidenum">
               <a:rPr lang="fr-CA" smtClean="0"/>
-              <a:t>‹#›</a:t>
+              <a:t>‹N°›</a:t>
             </a:fld>
             <a:endParaRPr lang="fr-CA"/>
           </a:p>
@@ -1579,7 +1579,7 @@
           <a:p>
             <a:fld id="{9E155C18-A59B-4655-A547-AADD314542C0}" type="slidenum">
               <a:rPr lang="fr-CA" smtClean="0"/>
-              <a:t>‹#›</a:t>
+              <a:t>‹N°›</a:t>
             </a:fld>
             <a:endParaRPr lang="fr-CA"/>
           </a:p>
@@ -2155,7 +2155,7 @@
           <a:p>
             <a:fld id="{9E155C18-A59B-4655-A547-AADD314542C0}" type="slidenum">
               <a:rPr lang="fr-CA" smtClean="0"/>
-              <a:t>‹#›</a:t>
+              <a:t>‹N°›</a:t>
             </a:fld>
             <a:endParaRPr lang="fr-CA"/>
           </a:p>
@@ -2487,7 +2487,7 @@
           <a:p>
             <a:fld id="{9E155C18-A59B-4655-A547-AADD314542C0}" type="slidenum">
               <a:rPr lang="fr-CA" smtClean="0"/>
-              <a:t>‹#›</a:t>
+              <a:t>‹N°›</a:t>
             </a:fld>
             <a:endParaRPr lang="fr-CA"/>
           </a:p>
@@ -2662,7 +2662,7 @@
           <a:p>
             <a:fld id="{9E155C18-A59B-4655-A547-AADD314542C0}" type="slidenum">
               <a:rPr lang="fr-CA" smtClean="0"/>
-              <a:t>‹#›</a:t>
+              <a:t>‹N°›</a:t>
             </a:fld>
             <a:endParaRPr lang="fr-CA"/>
           </a:p>
@@ -2842,7 +2842,7 @@
           <a:p>
             <a:fld id="{9E155C18-A59B-4655-A547-AADD314542C0}" type="slidenum">
               <a:rPr lang="fr-CA" smtClean="0"/>
-              <a:t>‹#›</a:t>
+              <a:t>‹N°›</a:t>
             </a:fld>
             <a:endParaRPr lang="fr-CA"/>
           </a:p>
@@ -3012,7 +3012,7 @@
           <a:p>
             <a:fld id="{9E155C18-A59B-4655-A547-AADD314542C0}" type="slidenum">
               <a:rPr lang="fr-CA" smtClean="0"/>
-              <a:t>‹#›</a:t>
+              <a:t>‹N°›</a:t>
             </a:fld>
             <a:endParaRPr lang="fr-CA"/>
           </a:p>
@@ -3269,7 +3269,7 @@
           <a:p>
             <a:fld id="{9E155C18-A59B-4655-A547-AADD314542C0}" type="slidenum">
               <a:rPr lang="fr-CA" smtClean="0"/>
-              <a:t>‹#›</a:t>
+              <a:t>‹N°›</a:t>
             </a:fld>
             <a:endParaRPr lang="fr-CA"/>
           </a:p>
@@ -3561,7 +3561,7 @@
           <a:p>
             <a:fld id="{9E155C18-A59B-4655-A547-AADD314542C0}" type="slidenum">
               <a:rPr lang="fr-CA" smtClean="0"/>
-              <a:t>‹#›</a:t>
+              <a:t>‹N°›</a:t>
             </a:fld>
             <a:endParaRPr lang="fr-CA"/>
           </a:p>
@@ -3991,7 +3991,7 @@
           <a:p>
             <a:fld id="{9E155C18-A59B-4655-A547-AADD314542C0}" type="slidenum">
               <a:rPr lang="fr-CA" smtClean="0"/>
-              <a:t>‹#›</a:t>
+              <a:t>‹N°›</a:t>
             </a:fld>
             <a:endParaRPr lang="fr-CA"/>
           </a:p>
@@ -4109,7 +4109,7 @@
           <a:p>
             <a:fld id="{9E155C18-A59B-4655-A547-AADD314542C0}" type="slidenum">
               <a:rPr lang="fr-CA" smtClean="0"/>
-              <a:t>‹#›</a:t>
+              <a:t>‹N°›</a:t>
             </a:fld>
             <a:endParaRPr lang="fr-CA"/>
           </a:p>
@@ -4204,7 +4204,7 @@
           <a:p>
             <a:fld id="{9E155C18-A59B-4655-A547-AADD314542C0}" type="slidenum">
               <a:rPr lang="fr-CA" smtClean="0"/>
-              <a:t>‹#›</a:t>
+              <a:t>‹N°›</a:t>
             </a:fld>
             <a:endParaRPr lang="fr-CA"/>
           </a:p>
@@ -4487,7 +4487,7 @@
           <a:p>
             <a:fld id="{9E155C18-A59B-4655-A547-AADD314542C0}" type="slidenum">
               <a:rPr lang="fr-CA" smtClean="0"/>
-              <a:t>‹#›</a:t>
+              <a:t>‹N°›</a:t>
             </a:fld>
             <a:endParaRPr lang="fr-CA"/>
           </a:p>
@@ -4788,7 +4788,7 @@
           <a:p>
             <a:fld id="{9E155C18-A59B-4655-A547-AADD314542C0}" type="slidenum">
               <a:rPr lang="fr-CA" smtClean="0"/>
-              <a:t>‹#›</a:t>
+              <a:t>‹N°›</a:t>
             </a:fld>
             <a:endParaRPr lang="fr-CA"/>
           </a:p>
@@ -5061,7 +5061,7 @@
           <a:p>
             <a:fld id="{9E155C18-A59B-4655-A547-AADD314542C0}" type="slidenum">
               <a:rPr lang="fr-CA" smtClean="0"/>
-              <a:t>‹#›</a:t>
+              <a:t>‹N°›</a:t>
             </a:fld>
             <a:endParaRPr lang="fr-CA"/>
           </a:p>
@@ -6144,7 +6144,7 @@
           <a:p>
             <a:r>
               <a:rPr lang="fr-CA" sz="3600" b="1" i="1" dirty="0" smtClean="0"/>
-              <a:t>Planification de la trajectoire</a:t>
+              <a:t>Interface de la station de base</a:t>
             </a:r>
             <a:endParaRPr lang="fr-CA" sz="3600" b="1" i="1" dirty="0"/>
           </a:p>
@@ -6162,8 +6162,8 @@
         </p:nvSpPr>
         <p:spPr>
           <a:xfrm>
-            <a:off x="0" y="2245658"/>
-            <a:ext cx="9905998" cy="3124201"/>
+            <a:off x="0" y="1345224"/>
+            <a:ext cx="9905998" cy="5055576"/>
           </a:xfrm>
         </p:spPr>
         <p:txBody>
@@ -6172,14 +6172,67 @@
           </a:bodyPr>
           <a:lstStyle/>
           <a:p>
-            <a:endParaRPr lang="fr-CA" sz="2400" dirty="0"/>
+            <a:r>
+              <a:rPr lang="fr-CA" sz="2400" dirty="0" smtClean="0"/>
+              <a:t>Carte virtuelle et rendu en temps réel;</a:t>
+            </a:r>
+          </a:p>
+          <a:p>
+            <a:r>
+              <a:rPr lang="fr-CA" sz="2400" dirty="0" smtClean="0"/>
+              <a:t>Affichage en parallèle des trajectoires;</a:t>
+            </a:r>
+          </a:p>
+          <a:p>
+            <a:r>
+              <a:rPr lang="fr-CA" sz="2400" dirty="0" smtClean="0"/>
+              <a:t>Affichage de la tension du condensateur;</a:t>
+            </a:r>
+          </a:p>
+          <a:p>
+            <a:r>
+              <a:rPr lang="fr-CA" sz="2400" dirty="0"/>
+              <a:t>Affichage de la position et de l’orientation du </a:t>
+            </a:r>
+            <a:r>
+              <a:rPr lang="fr-CA" sz="2400" dirty="0" smtClean="0"/>
+              <a:t>robot</a:t>
+            </a:r>
+            <a:r>
+              <a:rPr lang="fr-CA" sz="2400" dirty="0"/>
+              <a:t>;</a:t>
+            </a:r>
+            <a:endParaRPr lang="fr-CA" sz="2400" dirty="0" smtClean="0"/>
+          </a:p>
+          <a:p>
+            <a:r>
+              <a:rPr lang="fr-CA" sz="2400" dirty="0" smtClean="0"/>
+              <a:t>Informations sur l’île cible;</a:t>
+            </a:r>
+          </a:p>
+          <a:p>
+            <a:r>
+              <a:rPr lang="fr-CA" sz="2400" dirty="0" smtClean="0"/>
+              <a:t>Bouton de démarrage de la routine.</a:t>
+            </a:r>
+          </a:p>
+          <a:p>
+            <a:r>
+              <a:rPr lang="fr-CA" sz="2400" dirty="0" smtClean="0"/>
+              <a:t>Programmée en Python et librairie </a:t>
+            </a:r>
+            <a:r>
+              <a:rPr lang="fr-CA" sz="2400" dirty="0" err="1" smtClean="0"/>
+              <a:t>PyQT</a:t>
+            </a:r>
+            <a:endParaRPr lang="fr-CA" sz="2400" dirty="0" smtClean="0"/>
           </a:p>
         </p:txBody>
       </p:sp>
     </p:spTree>
     <p:extLst>
       <p:ext uri="{BB962C8B-B14F-4D97-AF65-F5344CB8AC3E}">
-        <p14:creationId xmlns:p14="http://schemas.microsoft.com/office/powerpoint/2010/main" val="2268939083"/>
+        <p14:creationId xmlns:p14="http://schemas.microsoft.com/office/powerpoint/2010/main" val="1637746881"/>
       </p:ext>
     </p:extLst>
   </p:cSld>
@@ -6237,7 +6290,7 @@
           <a:p>
             <a:r>
               <a:rPr lang="fr-CA" sz="3600" b="1" i="1" dirty="0" smtClean="0"/>
-              <a:t>Contrôle de la caméra</a:t>
+              <a:t>Planification de la trajectoire</a:t>
             </a:r>
             <a:endParaRPr lang="fr-CA" sz="3600" b="1" i="1" dirty="0"/>
           </a:p>
@@ -6255,8 +6308,8 @@
         </p:nvSpPr>
         <p:spPr>
           <a:xfrm>
-            <a:off x="0" y="2245658"/>
-            <a:ext cx="9905998" cy="3124201"/>
+            <a:off x="0" y="1820008"/>
+            <a:ext cx="9905998" cy="4255477"/>
           </a:xfrm>
         </p:spPr>
         <p:txBody>
@@ -6265,14 +6318,122 @@
           </a:bodyPr>
           <a:lstStyle/>
           <a:p>
-            <a:endParaRPr lang="fr-CA" sz="2400" dirty="0"/>
-          </a:p>
-        </p:txBody>
-      </p:sp>
+            <a:r>
+              <a:rPr lang="fr-CA" sz="2400" dirty="0" smtClean="0"/>
+              <a:t>Algorithme A*;</a:t>
+            </a:r>
+          </a:p>
+          <a:p>
+            <a:r>
+              <a:rPr lang="fr-CA" sz="2400" dirty="0" smtClean="0"/>
+              <a:t>Envoie des commandes au robot;</a:t>
+            </a:r>
+          </a:p>
+          <a:p>
+            <a:r>
+              <a:rPr lang="fr-CA" sz="2400" dirty="0"/>
+              <a:t>Recalcul de la trajectoire après </a:t>
+            </a:r>
+            <a:r>
+              <a:rPr lang="fr-CA" sz="2400" dirty="0" smtClean="0"/>
+              <a:t>déplacement</a:t>
+            </a:r>
+            <a:r>
+              <a:rPr lang="fr-CA" sz="2400" dirty="0"/>
+              <a:t>;</a:t>
+            </a:r>
+            <a:endParaRPr lang="fr-CA" sz="2400" dirty="0" smtClean="0"/>
+          </a:p>
+          <a:p>
+            <a:r>
+              <a:rPr lang="fr-CA" sz="2400" dirty="0" smtClean="0"/>
+              <a:t>Zone tampon variable autour des îles;</a:t>
+            </a:r>
+          </a:p>
+          <a:p>
+            <a:r>
+              <a:rPr lang="fr-CA" sz="2400" dirty="0" smtClean="0"/>
+              <a:t>Phase de déplacement;</a:t>
+            </a:r>
+          </a:p>
+          <a:p>
+            <a:r>
+              <a:rPr lang="fr-CA" sz="2400" dirty="0" smtClean="0"/>
+              <a:t>Phase d’alignement.</a:t>
+            </a:r>
+          </a:p>
+        </p:txBody>
+      </p:sp>
+      <p:pic>
+        <p:nvPicPr>
+          <p:cNvPr id="1026" name="Picture 2" descr="https://scontent-sea1-1.xx.fbcdn.net/hphotos-xta1/v/t35.0-12/12752243_10153816892636343_28812584_o.jpg?oh=35d529df357fe3e6e9199655cea330c1&amp;oe=56CF8992"/>
+          <p:cNvPicPr>
+            <a:picLocks noChangeAspect="1" noChangeArrowheads="1"/>
+          </p:cNvPicPr>
+          <p:nvPr/>
+        </p:nvPicPr>
+        <p:blipFill>
+          <a:blip r:embed="rId2" cstate="print">
+            <a:extLst>
+              <a:ext uri="{28A0092B-C50C-407E-A947-70E740481C1C}">
+                <a14:useLocalDpi xmlns:a14="http://schemas.microsoft.com/office/drawing/2010/main" val="0"/>
+              </a:ext>
+            </a:extLst>
+          </a:blip>
+          <a:srcRect/>
+          <a:stretch>
+            <a:fillRect/>
+          </a:stretch>
+        </p:blipFill>
+        <p:spPr bwMode="auto">
+          <a:xfrm>
+            <a:off x="6960286" y="4009293"/>
+            <a:ext cx="4918122" cy="2572436"/>
+          </a:xfrm>
+          <a:prstGeom prst="roundRect">
+            <a:avLst>
+              <a:gd name="adj" fmla="val 4167"/>
+            </a:avLst>
+          </a:prstGeom>
+          <a:solidFill>
+            <a:srgbClr val="FFFFFF"/>
+          </a:solidFill>
+          <a:ln w="76200" cap="sq">
+            <a:solidFill>
+              <a:srgbClr val="292929"/>
+            </a:solidFill>
+            <a:miter lim="800000"/>
+          </a:ln>
+          <a:effectLst>
+            <a:reflection blurRad="12700" stA="28000" endPos="28000" dist="5000" dir="5400000" sy="-100000" algn="bl" rotWithShape="0"/>
+          </a:effectLst>
+          <a:scene3d>
+            <a:camera prst="orthographicFront"/>
+            <a:lightRig rig="threePt" dir="t">
+              <a:rot lat="0" lon="0" rev="2700000"/>
+            </a:lightRig>
+          </a:scene3d>
+          <a:sp3d>
+            <a:bevelT h="38100"/>
+            <a:contourClr>
+              <a:srgbClr val="C0C0C0"/>
+            </a:contourClr>
+          </a:sp3d>
+          <a:extLst>
+            <a:ext uri="{909E8E84-426E-40DD-AFC4-6F175D3DCCD1}">
+              <a14:hiddenFill xmlns:a14="http://schemas.microsoft.com/office/drawing/2010/main">
+                <a:solidFill>
+                  <a:srgbClr val="FFFFFF"/>
+                </a:solidFill>
+              </a14:hiddenFill>
+            </a:ext>
+          </a:extLst>
+        </p:spPr>
+      </p:pic>
     </p:spTree>
     <p:extLst>
       <p:ext uri="{BB962C8B-B14F-4D97-AF65-F5344CB8AC3E}">
-        <p14:creationId xmlns:p14="http://schemas.microsoft.com/office/powerpoint/2010/main" val="3070798800"/>
+        <p14:creationId xmlns:p14="http://schemas.microsoft.com/office/powerpoint/2010/main" val="2268939083"/>
       </p:ext>
     </p:extLst>
   </p:cSld>
@@ -6330,7 +6491,7 @@
           <a:p>
             <a:r>
               <a:rPr lang="fr-CA" sz="3600" b="1" i="1" dirty="0" smtClean="0"/>
-              <a:t>Système de vision</a:t>
+              <a:t>Contrôle de la caméra</a:t>
             </a:r>
             <a:endParaRPr lang="fr-CA" sz="3600" b="1" i="1" dirty="0"/>
           </a:p>
@@ -6358,14 +6519,108 @@
           </a:bodyPr>
           <a:lstStyle/>
           <a:p>
+            <a:r>
+              <a:rPr lang="fr-CA" sz="2400" dirty="0" smtClean="0"/>
+              <a:t>Servomoteurs contrôlés par </a:t>
+            </a:r>
+            <a:r>
+              <a:rPr lang="fr-CA" sz="2400" dirty="0" err="1" smtClean="0"/>
+              <a:t>pololu</a:t>
+            </a:r>
+            <a:r>
+              <a:rPr lang="fr-CA" sz="2400" dirty="0" smtClean="0"/>
+              <a:t>;</a:t>
+            </a:r>
+          </a:p>
+          <a:p>
+            <a:r>
+              <a:rPr lang="fr-CA" sz="2400" dirty="0" smtClean="0"/>
+              <a:t>4 positions prédéterminées;</a:t>
+            </a:r>
+          </a:p>
+          <a:p>
+            <a:r>
+              <a:rPr lang="fr-CA" sz="2400" dirty="0" smtClean="0"/>
+              <a:t>Librairie </a:t>
+            </a:r>
+            <a:r>
+              <a:rPr lang="fr-CA" sz="2400" dirty="0" err="1" smtClean="0"/>
+              <a:t>arduino</a:t>
+            </a:r>
+            <a:r>
+              <a:rPr lang="fr-CA" sz="2400" dirty="0" smtClean="0"/>
+              <a:t> pour Maestro;</a:t>
+            </a:r>
+          </a:p>
+          <a:p>
+            <a:r>
+              <a:rPr lang="fr-CA" sz="2400" dirty="0" smtClean="0"/>
+              <a:t>Caméra surélevée sur l’étage supérieur du robot.</a:t>
+            </a:r>
             <a:endParaRPr lang="fr-CA" sz="2400" dirty="0"/>
           </a:p>
         </p:txBody>
       </p:sp>
+      <p:pic>
+        <p:nvPicPr>
+          <p:cNvPr id="4" name="Image 3"/>
+          <p:cNvPicPr>
+            <a:picLocks noChangeAspect="1"/>
+          </p:cNvPicPr>
+          <p:nvPr/>
+        </p:nvPicPr>
+        <p:blipFill>
+          <a:blip r:embed="rId2" cstate="print">
+            <a:extLst>
+              <a:ext uri="{28A0092B-C50C-407E-A947-70E740481C1C}">
+                <a14:useLocalDpi xmlns:a14="http://schemas.microsoft.com/office/drawing/2010/main" val="0"/>
+              </a:ext>
+            </a:extLst>
+          </a:blip>
+          <a:stretch>
+            <a:fillRect/>
+          </a:stretch>
+        </p:blipFill>
+        <p:spPr>
+          <a:xfrm rot="5400000">
+            <a:off x="8185637" y="3016450"/>
+            <a:ext cx="3463481" cy="3463481"/>
+          </a:xfrm>
+          <a:prstGeom prst="roundRect">
+            <a:avLst>
+              <a:gd name="adj" fmla="val 4167"/>
+            </a:avLst>
+          </a:prstGeom>
+          <a:solidFill>
+            <a:srgbClr val="FFFFFF"/>
+          </a:solidFill>
+          <a:ln w="76200" cap="sq">
+            <a:solidFill>
+              <a:srgbClr val="292929"/>
+            </a:solidFill>
+            <a:miter lim="800000"/>
+          </a:ln>
+          <a:effectLst>
+            <a:reflection blurRad="12700" stA="28000" endPos="28000" dist="5000" dir="5400000" sy="-100000" algn="bl" rotWithShape="0"/>
+          </a:effectLst>
+          <a:scene3d>
+            <a:camera prst="orthographicFront"/>
+            <a:lightRig rig="threePt" dir="t">
+              <a:rot lat="0" lon="0" rev="2700000"/>
+            </a:lightRig>
+          </a:scene3d>
+          <a:sp3d>
+            <a:bevelT h="38100"/>
+            <a:contourClr>
+              <a:srgbClr val="C0C0C0"/>
+            </a:contourClr>
+          </a:sp3d>
+        </p:spPr>
+      </p:pic>
     </p:spTree>
     <p:extLst>
       <p:ext uri="{BB962C8B-B14F-4D97-AF65-F5344CB8AC3E}">
-        <p14:creationId xmlns:p14="http://schemas.microsoft.com/office/powerpoint/2010/main" val="2319069263"/>
+        <p14:creationId xmlns:p14="http://schemas.microsoft.com/office/powerpoint/2010/main" val="3070798800"/>
       </p:ext>
     </p:extLst>
   </p:cSld>
@@ -6442,7 +6697,7 @@
         <p:spPr>
           <a:xfrm>
             <a:off x="0" y="2245658"/>
-            <a:ext cx="9905998" cy="3124201"/>
+            <a:ext cx="9905998" cy="3706734"/>
           </a:xfrm>
         </p:spPr>
         <p:txBody>
@@ -6475,8 +6730,34 @@
           <a:p>
             <a:r>
               <a:rPr lang="fr-CA" sz="2400" dirty="0" smtClean="0"/>
-              <a:t>Horloge basse fréquence;</a:t>
-            </a:r>
+              <a:t>Horloge basse fréquence</a:t>
+            </a:r>
+            <a:r>
+              <a:rPr lang="fr-CA" sz="2400" dirty="0" smtClean="0"/>
+              <a:t>;</a:t>
+            </a:r>
+          </a:p>
+          <a:p>
+            <a:r>
+              <a:rPr lang="fr-CA" sz="2400" dirty="0"/>
+              <a:t>Circuit d’amplification des signaux </a:t>
+            </a:r>
+            <a:r>
+              <a:rPr lang="fr-CA" sz="2400" dirty="0" smtClean="0"/>
+              <a:t>reçus;</a:t>
+            </a:r>
+            <a:endParaRPr lang="fr-CA" sz="2400" dirty="0"/>
+          </a:p>
+          <a:p>
+            <a:r>
+              <a:rPr lang="fr-CA" sz="2400" dirty="0"/>
+              <a:t>Transmissions séparées du code et de l’horloge</a:t>
+            </a:r>
+            <a:r>
+              <a:rPr lang="fr-CA" sz="2400" dirty="0" smtClean="0"/>
+              <a:t>;</a:t>
+            </a:r>
+            <a:endParaRPr lang="fr-CA" sz="2400" dirty="0" smtClean="0"/>
           </a:p>
           <a:p>
             <a:r>
@@ -6496,27 +6777,72 @@
               <a:t>mega</a:t>
             </a:r>
             <a:r>
-              <a:rPr lang="fr-CA" sz="2400" dirty="0" smtClean="0"/>
-              <a:t>;</a:t>
-            </a:r>
-          </a:p>
-          <a:p>
-            <a:r>
-              <a:rPr lang="fr-CA" sz="2400" dirty="0" smtClean="0"/>
-              <a:t>Transmissions séparées du code et de l’horloge;</a:t>
-            </a:r>
-          </a:p>
-          <a:p>
-            <a:r>
-              <a:rPr lang="fr-CA" sz="2400" dirty="0" smtClean="0"/>
-              <a:t>Circuit d’amplification des signaux reçus.</a:t>
-            </a:r>
+              <a:rPr lang="fr-CA" sz="2400" dirty="0"/>
+              <a:t>.</a:t>
+            </a:r>
+            <a:endParaRPr lang="fr-CA" sz="2400" dirty="0" smtClean="0"/>
           </a:p>
           <a:p>
             <a:endParaRPr lang="fr-CA" sz="2400" dirty="0"/>
           </a:p>
         </p:txBody>
       </p:sp>
+      <p:pic>
+        <p:nvPicPr>
+          <p:cNvPr id="4" name="Image 3"/>
+          <p:cNvPicPr>
+            <a:picLocks noChangeAspect="1"/>
+          </p:cNvPicPr>
+          <p:nvPr/>
+        </p:nvPicPr>
+        <p:blipFill>
+          <a:blip r:embed="rId2" cstate="print">
+            <a:extLst>
+              <a:ext uri="{28A0092B-C50C-407E-A947-70E740481C1C}">
+                <a14:useLocalDpi xmlns:a14="http://schemas.microsoft.com/office/drawing/2010/main" val="0"/>
+              </a:ext>
+            </a:extLst>
+          </a:blip>
+          <a:stretch>
+            <a:fillRect/>
+          </a:stretch>
+        </p:blipFill>
+        <p:spPr>
+          <a:xfrm rot="5400000">
+            <a:off x="8010660" y="2872376"/>
+            <a:ext cx="4143020" cy="3107265"/>
+          </a:xfrm>
+          <a:prstGeom prst="roundRect">
+            <a:avLst>
+              <a:gd name="adj" fmla="val 4167"/>
+            </a:avLst>
+          </a:prstGeom>
+          <a:solidFill>
+            <a:srgbClr val="FFFFFF"/>
+          </a:solidFill>
+          <a:ln w="76200" cap="sq">
+            <a:solidFill>
+              <a:srgbClr val="292929"/>
+            </a:solidFill>
+            <a:miter lim="800000"/>
+          </a:ln>
+          <a:effectLst>
+            <a:reflection blurRad="12700" stA="28000" endPos="28000" dist="5000" dir="5400000" sy="-100000" algn="bl" rotWithShape="0"/>
+          </a:effectLst>
+          <a:scene3d>
+            <a:camera prst="orthographicFront"/>
+            <a:lightRig rig="threePt" dir="t">
+              <a:rot lat="0" lon="0" rev="2700000"/>
+            </a:lightRig>
+          </a:scene3d>
+          <a:sp3d>
+            <a:bevelT h="38100"/>
+            <a:contourClr>
+              <a:srgbClr val="C0C0C0"/>
+            </a:contourClr>
+          </a:sp3d>
+        </p:spPr>
+      </p:pic>
     </p:spTree>
     <p:extLst>
       <p:ext uri="{BB962C8B-B14F-4D97-AF65-F5344CB8AC3E}">
@@ -6596,8 +6922,8 @@
         </p:nvSpPr>
         <p:spPr>
           <a:xfrm>
-            <a:off x="0" y="2245658"/>
-            <a:ext cx="9905998" cy="3124201"/>
+            <a:off x="0" y="1521071"/>
+            <a:ext cx="9905998" cy="3681736"/>
           </a:xfrm>
         </p:spPr>
         <p:txBody>
@@ -6606,10 +6932,101 @@
           </a:bodyPr>
           <a:lstStyle/>
           <a:p>
-            <a:endParaRPr lang="fr-CA" sz="2400" dirty="0"/>
-          </a:p>
-        </p:txBody>
-      </p:sp>
+            <a:r>
+              <a:rPr lang="fr-CA" sz="2400" dirty="0" smtClean="0"/>
+              <a:t>Détection par recherche de formes prédéfinies;</a:t>
+            </a:r>
+          </a:p>
+          <a:p>
+            <a:r>
+              <a:rPr lang="fr-CA" sz="2400" dirty="0" smtClean="0"/>
+              <a:t>Détection primaire de l’environnement;</a:t>
+            </a:r>
+          </a:p>
+          <a:p>
+            <a:r>
+              <a:rPr lang="fr-CA" sz="2400" dirty="0"/>
+              <a:t>Forme distinctive pour le robot &amp; station de </a:t>
+            </a:r>
+            <a:r>
+              <a:rPr lang="fr-CA" sz="2400" dirty="0" smtClean="0"/>
+              <a:t>recharge;</a:t>
+            </a:r>
+          </a:p>
+          <a:p>
+            <a:r>
+              <a:rPr lang="fr-CA" sz="2400" dirty="0" smtClean="0"/>
+              <a:t>Résolution de 1600x1200.</a:t>
+            </a:r>
+          </a:p>
+        </p:txBody>
+      </p:sp>
+      <p:pic>
+        <p:nvPicPr>
+          <p:cNvPr id="2050" name="Picture 2" descr="https://scontent-sea1-1.xx.fbcdn.net/hphotos-xfp1/v/t35.0-12/12773016_10153816912416343_1572976855_o.jpg?oh=03d992fbc677139b2715a2ce4759775e&amp;oe=56CE70B8"/>
+          <p:cNvPicPr>
+            <a:picLocks noChangeAspect="1" noChangeArrowheads="1"/>
+          </p:cNvPicPr>
+          <p:nvPr/>
+        </p:nvPicPr>
+        <p:blipFill>
+          <a:blip r:embed="rId2" cstate="print">
+            <a:extLst>
+              <a:ext uri="{28A0092B-C50C-407E-A947-70E740481C1C}">
+                <a14:useLocalDpi xmlns:a14="http://schemas.microsoft.com/office/drawing/2010/main" val="0"/>
+              </a:ext>
+            </a:extLst>
+          </a:blip>
+          <a:srcRect/>
+          <a:stretch>
+            <a:fillRect/>
+          </a:stretch>
+        </p:blipFill>
+        <p:spPr bwMode="auto">
+          <a:xfrm>
+            <a:off x="6820829" y="4139959"/>
+            <a:ext cx="4999207" cy="2459801"/>
+          </a:xfrm>
+          <a:prstGeom prst="roundRect">
+            <a:avLst>
+              <a:gd name="adj" fmla="val 4167"/>
+            </a:avLst>
+          </a:prstGeom>
+          <a:solidFill>
+            <a:srgbClr val="FFFFFF"/>
+          </a:solidFill>
+          <a:ln w="76200" cap="sq">
+            <a:solidFill>
+              <a:srgbClr val="292929"/>
+            </a:solidFill>
+            <a:miter lim="800000"/>
+          </a:ln>
+          <a:effectLst>
+            <a:reflection blurRad="12700" stA="28000" endPos="28000" dist="5000" dir="5400000" sy="-100000" algn="bl" rotWithShape="0"/>
+          </a:effectLst>
+          <a:scene3d>
+            <a:camera prst="orthographicFront"/>
+            <a:lightRig rig="threePt" dir="t">
+              <a:rot lat="0" lon="0" rev="2700000"/>
+            </a:lightRig>
+          </a:scene3d>
+          <a:sp3d>
+            <a:bevelT h="38100"/>
+            <a:contourClr>
+              <a:srgbClr val="C0C0C0"/>
+            </a:contourClr>
+          </a:sp3d>
+          <a:extLst>
+            <a:ext uri="{909E8E84-426E-40DD-AFC4-6F175D3DCCD1}">
+              <a14:hiddenFill xmlns:a14="http://schemas.microsoft.com/office/drawing/2010/main">
+                <a:solidFill>
+                  <a:srgbClr val="FFFFFF"/>
+                </a:solidFill>
+              </a14:hiddenFill>
+            </a:ext>
+          </a:extLst>
+        </p:spPr>
+      </p:pic>
     </p:spTree>
     <p:extLst>
       <p:ext uri="{BB962C8B-B14F-4D97-AF65-F5344CB8AC3E}">
@@ -6733,28 +7150,22 @@
       </p:sp>
       <p:pic>
         <p:nvPicPr>
-          <p:cNvPr id="4" name="Image 3"/>
+          <p:cNvPr id="5" name="Image 4"/>
           <p:cNvPicPr>
             <a:picLocks noChangeAspect="1"/>
           </p:cNvPicPr>
           <p:nvPr/>
         </p:nvPicPr>
         <p:blipFill>
-          <a:blip r:embed="rId2">
-            <a:extLst>
-              <a:ext uri="{28A0092B-C50C-407E-A947-70E740481C1C}">
-                <a14:useLocalDpi xmlns:a14="http://schemas.microsoft.com/office/drawing/2010/main" val="0"/>
-              </a:ext>
-            </a:extLst>
-          </a:blip>
+          <a:blip r:embed="rId2"/>
           <a:stretch>
             <a:fillRect/>
           </a:stretch>
         </p:blipFill>
         <p:spPr>
           <a:xfrm>
-            <a:off x="7931230" y="2922493"/>
-            <a:ext cx="3818803" cy="3552775"/>
+            <a:off x="7812698" y="2871808"/>
+            <a:ext cx="3828317" cy="3585250"/>
           </a:xfrm>
           <a:prstGeom prst="roundRect">
             <a:avLst>
@@ -6848,7 +7259,7 @@
           <a:p>
             <a:r>
               <a:rPr lang="fr-CA" sz="3600" b="1" i="1" dirty="0" smtClean="0"/>
-              <a:t>Communications sans fil</a:t>
+              <a:t>Communication sans fil</a:t>
             </a:r>
             <a:endParaRPr lang="fr-CA" sz="3600" b="1" i="1" dirty="0"/>
           </a:p>
@@ -6878,39 +7289,64 @@
           <a:p>
             <a:r>
               <a:rPr lang="fr-CA" sz="2400" dirty="0" smtClean="0"/>
-              <a:t>Connexion Wifi entre la station de base et l’ordinateur embarqué</a:t>
-            </a:r>
-          </a:p>
-          <a:p>
+              <a:t>Connexion Wifi entre la station de base et l’ordinateur </a:t>
+            </a:r>
             <a:r>
               <a:rPr lang="fr-CA" sz="2400" dirty="0" smtClean="0"/>
-              <a:t>Réseau Local</a:t>
-            </a:r>
+              <a:t>embarqué;</a:t>
+            </a:r>
+            <a:endParaRPr lang="fr-CA" sz="2400" dirty="0" smtClean="0"/>
           </a:p>
           <a:p>
             <a:r>
               <a:rPr lang="fr-CA" sz="2400" dirty="0" smtClean="0"/>
-              <a:t>Protocole TCP</a:t>
-            </a:r>
-          </a:p>
-          <a:p>
+              <a:t>Réseau </a:t>
+            </a:r>
             <a:r>
               <a:rPr lang="fr-CA" sz="2400" dirty="0" smtClean="0"/>
-              <a:t>Résistant à la perte de paquet</a:t>
-            </a:r>
+              <a:t>Local;</a:t>
+            </a:r>
+            <a:endParaRPr lang="fr-CA" sz="2400" dirty="0" smtClean="0"/>
           </a:p>
           <a:p>
             <a:r>
               <a:rPr lang="fr-CA" sz="2400" dirty="0" smtClean="0"/>
-              <a:t>Serveur/Client</a:t>
+              <a:t>Protocole </a:t>
+            </a:r>
+            <a:r>
+              <a:rPr lang="fr-CA" sz="2400" dirty="0" smtClean="0"/>
+              <a:t>TCP;</a:t>
             </a:r>
             <a:endParaRPr lang="fr-CA" sz="2400" dirty="0" smtClean="0"/>
           </a:p>
           <a:p>
             <a:r>
               <a:rPr lang="fr-CA" sz="2400" dirty="0" smtClean="0"/>
-              <a:t>Échange de fichier JSON</a:t>
-            </a:r>
+              <a:t>Résistant à la perte de </a:t>
+            </a:r>
+            <a:r>
+              <a:rPr lang="fr-CA" sz="2400" dirty="0" smtClean="0"/>
+              <a:t>paquet;</a:t>
+            </a:r>
+            <a:endParaRPr lang="fr-CA" sz="2400" dirty="0" smtClean="0"/>
+          </a:p>
+          <a:p>
+            <a:r>
+              <a:rPr lang="fr-CA" sz="2400" dirty="0" smtClean="0"/>
+              <a:t>Serveur/Client;</a:t>
+            </a:r>
+            <a:endParaRPr lang="fr-CA" sz="2400" dirty="0" smtClean="0"/>
+          </a:p>
+          <a:p>
+            <a:r>
+              <a:rPr lang="fr-CA" sz="2400" dirty="0" smtClean="0"/>
+              <a:t>Échange de fichier </a:t>
+            </a:r>
+            <a:r>
+              <a:rPr lang="fr-CA" sz="2400" dirty="0" smtClean="0"/>
+              <a:t>JSON</a:t>
+            </a:r>
+            <a:endParaRPr lang="fr-CA" sz="2400" dirty="0" smtClean="0"/>
           </a:p>
           <a:p>
             <a:endParaRPr lang="fr-CA" sz="2400" dirty="0"/>
@@ -6956,7 +7392,7 @@
       </p:grpSpPr>
       <p:sp>
         <p:nvSpPr>
-          <p:cNvPr id="2" name="Title 1"/>
+          <p:cNvPr id="2" name="Titre 1"/>
           <p:cNvSpPr>
             <a:spLocks noGrp="1"/>
           </p:cNvSpPr>
@@ -6966,25 +7402,27 @@
         </p:nvSpPr>
         <p:spPr>
           <a:xfrm>
-            <a:off x="178887" y="224590"/>
+            <a:off x="0" y="0"/>
             <a:ext cx="9905998" cy="1905000"/>
           </a:xfrm>
         </p:spPr>
         <p:txBody>
-          <a:bodyPr/>
-          <a:lstStyle/>
-          <a:p>
-            <a:r>
-              <a:rPr lang="en-US" dirty="0" smtClean="0"/>
-              <a:t>Communication entre les modules</a:t>
-            </a:r>
-            <a:endParaRPr lang="en-US" dirty="0"/>
-          </a:p>
-        </p:txBody>
-      </p:sp>
-      <p:sp>
-        <p:nvSpPr>
-          <p:cNvPr id="3" name="Content Placeholder 2"/>
+          <a:bodyPr>
+            <a:normAutofit/>
+          </a:bodyPr>
+          <a:lstStyle/>
+          <a:p>
+            <a:r>
+              <a:rPr lang="fr-CA" sz="3600" b="1" i="1" dirty="0" smtClean="0"/>
+              <a:t>Communications entre les modules</a:t>
+            </a:r>
+            <a:endParaRPr lang="fr-CA" sz="3600" b="1" i="1" dirty="0"/>
+          </a:p>
+        </p:txBody>
+      </p:sp>
+      <p:sp>
+        <p:nvSpPr>
+          <p:cNvPr id="3" name="Espace réservé du contenu 2"/>
           <p:cNvSpPr>
             <a:spLocks noGrp="1"/>
           </p:cNvSpPr>
@@ -6992,80 +7430,108 @@
             <p:ph idx="1"/>
           </p:nvPr>
         </p:nvSpPr>
-        <p:spPr/>
-        <p:txBody>
-          <a:bodyPr/>
-          <a:lstStyle/>
-          <a:p>
-            <a:r>
-              <a:rPr lang="en-US" dirty="0" smtClean="0"/>
+        <p:spPr>
+          <a:xfrm>
+            <a:off x="0" y="2245658"/>
+            <a:ext cx="9905998" cy="3124201"/>
+          </a:xfrm>
+        </p:spPr>
+        <p:txBody>
+          <a:bodyPr>
+            <a:normAutofit/>
+          </a:bodyPr>
+          <a:lstStyle/>
+          <a:p>
+            <a:r>
+              <a:rPr lang="en-US" sz="2400" dirty="0"/>
               <a:t>Communication Arduino – </a:t>
             </a:r>
             <a:r>
-              <a:rPr lang="en-US" dirty="0" err="1" smtClean="0"/>
-              <a:t>Servomoteurs</a:t>
-            </a:r>
-            <a:r>
-              <a:rPr lang="en-US" dirty="0"/>
+              <a:rPr lang="en-US" sz="2400" dirty="0" err="1" smtClean="0"/>
+              <a:t>Pololu</a:t>
+            </a:r>
+            <a:r>
+              <a:rPr lang="en-US" sz="2400" dirty="0" smtClean="0"/>
               <a:t> </a:t>
             </a:r>
             <a:r>
-              <a:rPr lang="en-US" dirty="0" smtClean="0"/>
-              <a:t>(UART – Transmit only)</a:t>
-            </a:r>
-          </a:p>
-          <a:p>
-            <a:r>
-              <a:rPr lang="en-US" dirty="0" smtClean="0"/>
+              <a:rPr lang="en-US" sz="2400" dirty="0"/>
+              <a:t>(UART – Transmit only</a:t>
+            </a:r>
+            <a:r>
+              <a:rPr lang="en-US" sz="2400" dirty="0" smtClean="0"/>
+              <a:t>);</a:t>
+            </a:r>
+            <a:endParaRPr lang="en-US" sz="2400" dirty="0"/>
+          </a:p>
+          <a:p>
+            <a:r>
+              <a:rPr lang="en-US" sz="2400" dirty="0"/>
               <a:t>Communication Arduino – </a:t>
             </a:r>
             <a:r>
-              <a:rPr lang="en-US" dirty="0" err="1" smtClean="0"/>
+              <a:rPr lang="en-US" sz="2400" dirty="0" err="1"/>
               <a:t>Ordinateur</a:t>
             </a:r>
             <a:r>
-              <a:rPr lang="en-US" dirty="0" smtClean="0"/>
+              <a:rPr lang="en-US" sz="2400" dirty="0"/>
               <a:t> </a:t>
             </a:r>
             <a:r>
-              <a:rPr lang="en-US" dirty="0" err="1" smtClean="0"/>
+              <a:rPr lang="en-US" sz="2400" dirty="0" err="1"/>
               <a:t>Embarqué</a:t>
             </a:r>
             <a:r>
-              <a:rPr lang="en-US" dirty="0" smtClean="0"/>
-              <a:t> (UART – via le port USB)</a:t>
-            </a:r>
-          </a:p>
-          <a:p>
-            <a:r>
-              <a:rPr lang="en-US" dirty="0" err="1" smtClean="0"/>
+              <a:rPr lang="en-US" sz="2400" dirty="0"/>
+              <a:t> (UART – via le port USB</a:t>
+            </a:r>
+            <a:r>
+              <a:rPr lang="en-US" sz="2400" dirty="0" smtClean="0"/>
+              <a:t>);</a:t>
+            </a:r>
+            <a:endParaRPr lang="en-US" sz="2400" dirty="0"/>
+          </a:p>
+          <a:p>
+            <a:r>
+              <a:rPr lang="en-US" sz="2400" dirty="0" err="1"/>
               <a:t>Simplicité</a:t>
             </a:r>
             <a:r>
-              <a:rPr lang="en-US" dirty="0" smtClean="0"/>
+              <a:rPr lang="en-US" sz="2400" dirty="0"/>
               <a:t> </a:t>
             </a:r>
             <a:r>
-              <a:rPr lang="en-US" dirty="0" err="1" smtClean="0"/>
-              <a:t>d’implementation</a:t>
-            </a:r>
-            <a:endParaRPr lang="en-US" dirty="0" smtClean="0"/>
-          </a:p>
-          <a:p>
-            <a:endParaRPr lang="en-US" dirty="0"/>
+              <a:rPr lang="en-US" sz="2400" dirty="0" err="1" smtClean="0"/>
+              <a:t>d’implémentation</a:t>
+            </a:r>
+            <a:r>
+              <a:rPr lang="en-US" sz="2400" dirty="0" smtClean="0"/>
+              <a:t>.</a:t>
+            </a:r>
+            <a:endParaRPr lang="en-US" sz="2400" dirty="0"/>
+          </a:p>
+          <a:p>
+            <a:endParaRPr lang="en-US" sz="2400" dirty="0"/>
           </a:p>
         </p:txBody>
       </p:sp>
     </p:spTree>
     <p:extLst>
       <p:ext uri="{BB962C8B-B14F-4D97-AF65-F5344CB8AC3E}">
-        <p14:creationId xmlns:p14="http://schemas.microsoft.com/office/powerpoint/2010/main" val="3580477606"/>
+        <p14:creationId xmlns:p14="http://schemas.microsoft.com/office/powerpoint/2010/main" val="289301413"/>
       </p:ext>
     </p:extLst>
   </p:cSld>
   <p:clrMapOvr>
     <a:masterClrMapping/>
   </p:clrMapOvr>
+  <p:timing>
+    <p:tnLst>
+      <p:par>
+        <p:cTn id="1" dur="indefinite" restart="never" nodeType="tmRoot"/>
+      </p:par>
+    </p:tnLst>
+  </p:timing>
 </p:sld>
 </file>
 
@@ -7110,7 +7576,7 @@
           <a:p>
             <a:r>
               <a:rPr lang="fr-CA" sz="3600" b="1" i="1" dirty="0" smtClean="0"/>
-              <a:t>Alimentation</a:t>
+              <a:t>Système de vision</a:t>
             </a:r>
             <a:endParaRPr lang="fr-CA" sz="3600" b="1" i="1" dirty="0"/>
           </a:p>
@@ -7128,8 +7594,8 @@
         </p:nvSpPr>
         <p:spPr>
           <a:xfrm>
-            <a:off x="0" y="2245658"/>
-            <a:ext cx="9905998" cy="3124201"/>
+            <a:off x="0" y="1905000"/>
+            <a:ext cx="9905998" cy="4029808"/>
           </a:xfrm>
         </p:spPr>
         <p:txBody>
@@ -7138,6 +7604,50 @@
           </a:bodyPr>
           <a:lstStyle/>
           <a:p>
+            <a:r>
+              <a:rPr lang="fr-CA" sz="2400" dirty="0" smtClean="0"/>
+              <a:t>Caméra monde g</a:t>
+            </a:r>
+            <a:r>
+              <a:rPr lang="fr-CA" sz="2400" dirty="0" smtClean="0"/>
+              <a:t>érée par la station de base</a:t>
+            </a:r>
+          </a:p>
+          <a:p>
+            <a:r>
+              <a:rPr lang="fr-CA" sz="2400" dirty="0" smtClean="0"/>
+              <a:t>Caméra embarquée gérée par l’ordi embarqu</a:t>
+            </a:r>
+            <a:r>
+              <a:rPr lang="fr-CA" sz="2400" dirty="0" smtClean="0"/>
+              <a:t>é</a:t>
+            </a:r>
+          </a:p>
+          <a:p>
+            <a:r>
+              <a:rPr lang="fr-CA" sz="2400" dirty="0" smtClean="0"/>
+              <a:t>Caméra monde pour la phase de déplacement</a:t>
+            </a:r>
+          </a:p>
+          <a:p>
+            <a:r>
+              <a:rPr lang="fr-CA" sz="2400" dirty="0" smtClean="0"/>
+              <a:t>Caméra embarquée pour phase d’alignement</a:t>
+            </a:r>
+          </a:p>
+          <a:p>
+            <a:r>
+              <a:rPr lang="fr-CA" sz="2400" dirty="0" smtClean="0"/>
+              <a:t>Programmé en Python 2.7 &amp; </a:t>
+            </a:r>
+            <a:r>
+              <a:rPr lang="fr-CA" sz="2400" dirty="0" err="1" smtClean="0"/>
+              <a:t>OpenCV</a:t>
+            </a:r>
+            <a:r>
+              <a:rPr lang="fr-CA" sz="2400" dirty="0" smtClean="0"/>
+              <a:t> 3.0</a:t>
+            </a:r>
             <a:endParaRPr lang="fr-CA" sz="2400" dirty="0"/>
           </a:p>
         </p:txBody>
@@ -7145,7 +7655,7 @@
     </p:spTree>
     <p:extLst>
       <p:ext uri="{BB962C8B-B14F-4D97-AF65-F5344CB8AC3E}">
-        <p14:creationId xmlns:p14="http://schemas.microsoft.com/office/powerpoint/2010/main" val="430813383"/>
+        <p14:creationId xmlns:p14="http://schemas.microsoft.com/office/powerpoint/2010/main" val="2319069263"/>
       </p:ext>
     </p:extLst>
   </p:cSld>
@@ -7192,7 +7702,7 @@
         <p:spPr>
           <a:xfrm>
             <a:off x="0" y="0"/>
-            <a:ext cx="10183906" cy="1905000"/>
+            <a:ext cx="9905998" cy="1905000"/>
           </a:xfrm>
         </p:spPr>
         <p:txBody>
@@ -7203,7 +7713,7 @@
           <a:p>
             <a:r>
               <a:rPr lang="fr-CA" sz="3600" b="1" i="1" dirty="0" smtClean="0"/>
-              <a:t>Contrôle et asservissement des moteurs</a:t>
+              <a:t>Alimentation</a:t>
             </a:r>
             <a:endParaRPr lang="fr-CA" sz="3600" b="1" i="1" dirty="0"/>
           </a:p>
@@ -7222,7 +7732,7 @@
         <p:spPr>
           <a:xfrm>
             <a:off x="0" y="2245658"/>
-            <a:ext cx="9905998" cy="3124201"/>
+            <a:ext cx="9905998" cy="3645188"/>
           </a:xfrm>
         </p:spPr>
         <p:txBody>
@@ -7231,14 +7741,117 @@
           </a:bodyPr>
           <a:lstStyle/>
           <a:p>
+            <a:r>
+              <a:rPr lang="fr-CA" sz="2400" dirty="0" err="1" smtClean="0"/>
+              <a:t>LiPO</a:t>
+            </a:r>
+            <a:r>
+              <a:rPr lang="fr-CA" sz="2400" dirty="0" smtClean="0"/>
+              <a:t> 6S de 4.5AH;</a:t>
+            </a:r>
+          </a:p>
+          <a:p>
+            <a:r>
+              <a:rPr lang="fr-CA" sz="2400" dirty="0"/>
+              <a:t>Alarme sonore de basse </a:t>
+            </a:r>
+            <a:r>
+              <a:rPr lang="fr-CA" sz="2400" dirty="0" smtClean="0"/>
+              <a:t>tension;</a:t>
+            </a:r>
+            <a:endParaRPr lang="fr-CA" sz="2400" dirty="0" smtClean="0"/>
+          </a:p>
+          <a:p>
+            <a:r>
+              <a:rPr lang="fr-CA" sz="2400" dirty="0"/>
+              <a:t>Référence de la batterie reliée à la structure </a:t>
+            </a:r>
+            <a:r>
+              <a:rPr lang="fr-CA" sz="2400" dirty="0" smtClean="0"/>
+              <a:t>du robot;</a:t>
+            </a:r>
+          </a:p>
+          <a:p>
+            <a:r>
+              <a:rPr lang="fr-CA" sz="2400" dirty="0" smtClean="0"/>
+              <a:t>3 régulateurs de tension;</a:t>
+            </a:r>
+          </a:p>
+          <a:p>
+            <a:r>
+              <a:rPr lang="fr-CA" sz="2400" dirty="0" smtClean="0"/>
+              <a:t>Niveaux de tension isolés;</a:t>
+            </a:r>
+          </a:p>
+          <a:p>
+            <a:r>
+              <a:rPr lang="fr-CA" sz="2400" dirty="0" smtClean="0"/>
+              <a:t>Protection des systèmes par fusibles;</a:t>
+            </a:r>
+          </a:p>
+          <a:p>
+            <a:r>
+              <a:rPr lang="fr-CA" sz="2400" dirty="0" smtClean="0"/>
+              <a:t>Interrupteur manuel de marche/arrêt.</a:t>
+            </a:r>
             <a:endParaRPr lang="fr-CA" sz="2400" dirty="0"/>
           </a:p>
         </p:txBody>
       </p:sp>
+      <p:pic>
+        <p:nvPicPr>
+          <p:cNvPr id="4" name="Image 3"/>
+          <p:cNvPicPr>
+            <a:picLocks noChangeAspect="1"/>
+          </p:cNvPicPr>
+          <p:nvPr/>
+        </p:nvPicPr>
+        <p:blipFill>
+          <a:blip r:embed="rId2"/>
+          <a:stretch>
+            <a:fillRect/>
+          </a:stretch>
+        </p:blipFill>
+        <p:spPr>
+          <a:xfrm>
+            <a:off x="8185638" y="3515856"/>
+            <a:ext cx="3543301" cy="3022741"/>
+          </a:xfrm>
+          <a:prstGeom prst="roundRect">
+            <a:avLst>
+              <a:gd name="adj" fmla="val 4167"/>
+            </a:avLst>
+          </a:prstGeom>
+          <a:solidFill>
+            <a:srgbClr val="FFFFFF"/>
+          </a:solidFill>
+          <a:ln w="76200" cap="sq">
+            <a:solidFill>
+              <a:srgbClr val="292929"/>
+            </a:solidFill>
+            <a:miter lim="800000"/>
+          </a:ln>
+          <a:effectLst>
+            <a:reflection blurRad="12700" stA="28000" endPos="28000" dist="5000" dir="5400000" sy="-100000" algn="bl" rotWithShape="0"/>
+          </a:effectLst>
+          <a:scene3d>
+            <a:camera prst="orthographicFront"/>
+            <a:lightRig rig="threePt" dir="t">
+              <a:rot lat="0" lon="0" rev="2700000"/>
+            </a:lightRig>
+          </a:scene3d>
+          <a:sp3d>
+            <a:bevelT h="38100"/>
+            <a:contourClr>
+              <a:srgbClr val="C0C0C0"/>
+            </a:contourClr>
+          </a:sp3d>
+        </p:spPr>
+      </p:pic>
     </p:spTree>
     <p:extLst>
       <p:ext uri="{BB962C8B-B14F-4D97-AF65-F5344CB8AC3E}">
-        <p14:creationId xmlns:p14="http://schemas.microsoft.com/office/powerpoint/2010/main" val="449403740"/>
+        <p14:creationId xmlns:p14="http://schemas.microsoft.com/office/powerpoint/2010/main" val="430813383"/>
       </p:ext>
     </p:extLst>
   </p:cSld>
@@ -7285,6 +7898,184 @@
         <p:spPr>
           <a:xfrm>
             <a:off x="0" y="0"/>
+            <a:ext cx="10183906" cy="1905000"/>
+          </a:xfrm>
+        </p:spPr>
+        <p:txBody>
+          <a:bodyPr>
+            <a:normAutofit/>
+          </a:bodyPr>
+          <a:lstStyle/>
+          <a:p>
+            <a:r>
+              <a:rPr lang="fr-CA" sz="3600" b="1" i="1" dirty="0" smtClean="0"/>
+              <a:t>Contrôle et asservissement des moteurs</a:t>
+            </a:r>
+            <a:endParaRPr lang="fr-CA" sz="3600" b="1" i="1" dirty="0"/>
+          </a:p>
+        </p:txBody>
+      </p:sp>
+      <p:sp>
+        <p:nvSpPr>
+          <p:cNvPr id="3" name="Espace réservé du contenu 2"/>
+          <p:cNvSpPr>
+            <a:spLocks noGrp="1"/>
+          </p:cNvSpPr>
+          <p:nvPr>
+            <p:ph idx="1"/>
+          </p:nvPr>
+        </p:nvSpPr>
+        <p:spPr>
+          <a:xfrm>
+            <a:off x="0" y="1828800"/>
+            <a:ext cx="9905998" cy="4106008"/>
+          </a:xfrm>
+        </p:spPr>
+        <p:txBody>
+          <a:bodyPr>
+            <a:normAutofit/>
+          </a:bodyPr>
+          <a:lstStyle/>
+          <a:p>
+            <a:r>
+              <a:rPr lang="fr-CA" sz="2400" dirty="0" smtClean="0"/>
+              <a:t>Contrôle de vitesse et direction par </a:t>
+            </a:r>
+            <a:r>
+              <a:rPr lang="fr-CA" sz="2400" dirty="0" err="1" smtClean="0"/>
+              <a:t>Arduino</a:t>
+            </a:r>
+            <a:r>
+              <a:rPr lang="fr-CA" sz="2400" dirty="0" smtClean="0"/>
+              <a:t>;</a:t>
+            </a:r>
+          </a:p>
+          <a:p>
+            <a:r>
+              <a:rPr lang="fr-CA" sz="2400" dirty="0" smtClean="0"/>
+              <a:t>Lecture de vitesse par largeur d’impulsion;</a:t>
+            </a:r>
+          </a:p>
+          <a:p>
+            <a:r>
+              <a:rPr lang="fr-CA" sz="2400" dirty="0" smtClean="0"/>
+              <a:t>Contrôle de vitesse par PWM;</a:t>
+            </a:r>
+          </a:p>
+          <a:p>
+            <a:r>
+              <a:rPr lang="fr-CA" sz="2400" dirty="0" smtClean="0"/>
+              <a:t>Asservissement en vitesse;</a:t>
+            </a:r>
+          </a:p>
+          <a:p>
+            <a:r>
+              <a:rPr lang="fr-CA" sz="2400" dirty="0" smtClean="0"/>
+              <a:t>Interruptions lors de communications.</a:t>
+            </a:r>
+          </a:p>
+        </p:txBody>
+      </p:sp>
+      <p:pic>
+        <p:nvPicPr>
+          <p:cNvPr id="4" name="Image 3"/>
+          <p:cNvPicPr>
+            <a:picLocks noChangeAspect="1"/>
+          </p:cNvPicPr>
+          <p:nvPr/>
+        </p:nvPicPr>
+        <p:blipFill>
+          <a:blip r:embed="rId2"/>
+          <a:stretch>
+            <a:fillRect/>
+          </a:stretch>
+        </p:blipFill>
+        <p:spPr>
+          <a:xfrm>
+            <a:off x="7801706" y="3617669"/>
+            <a:ext cx="3949082" cy="2844678"/>
+          </a:xfrm>
+          <a:prstGeom prst="roundRect">
+            <a:avLst>
+              <a:gd name="adj" fmla="val 4167"/>
+            </a:avLst>
+          </a:prstGeom>
+          <a:solidFill>
+            <a:srgbClr val="FFFFFF"/>
+          </a:solidFill>
+          <a:ln w="76200" cap="sq">
+            <a:solidFill>
+              <a:srgbClr val="292929"/>
+            </a:solidFill>
+            <a:miter lim="800000"/>
+          </a:ln>
+          <a:effectLst>
+            <a:reflection blurRad="12700" stA="28000" endPos="28000" dist="5000" dir="5400000" sy="-100000" algn="bl" rotWithShape="0"/>
+          </a:effectLst>
+          <a:scene3d>
+            <a:camera prst="orthographicFront"/>
+            <a:lightRig rig="threePt" dir="t">
+              <a:rot lat="0" lon="0" rev="2700000"/>
+            </a:lightRig>
+          </a:scene3d>
+          <a:sp3d>
+            <a:bevelT h="38100"/>
+            <a:contourClr>
+              <a:srgbClr val="C0C0C0"/>
+            </a:contourClr>
+          </a:sp3d>
+        </p:spPr>
+      </p:pic>
+    </p:spTree>
+    <p:extLst>
+      <p:ext uri="{BB962C8B-B14F-4D97-AF65-F5344CB8AC3E}">
+        <p14:creationId xmlns:p14="http://schemas.microsoft.com/office/powerpoint/2010/main" val="449403740"/>
+      </p:ext>
+    </p:extLst>
+  </p:cSld>
+  <p:clrMapOvr>
+    <a:masterClrMapping/>
+  </p:clrMapOvr>
+  <p:timing>
+    <p:tnLst>
+      <p:par>
+        <p:cTn id="1" dur="indefinite" restart="never" nodeType="tmRoot"/>
+      </p:par>
+    </p:tnLst>
+  </p:timing>
+</p:sld>
+</file>
+
+<file path=ppt/slides/slide8.xml><?xml version="1.0" encoding="utf-8"?>
+<p:sld xmlns:a="http://schemas.openxmlformats.org/drawingml/2006/main" xmlns:r="http://schemas.openxmlformats.org/officeDocument/2006/relationships" xmlns:p="http://schemas.openxmlformats.org/presentationml/2006/main">
+  <p:cSld>
+    <p:spTree>
+      <p:nvGrpSpPr>
+        <p:cNvPr id="1" name=""/>
+        <p:cNvGrpSpPr/>
+        <p:nvPr/>
+      </p:nvGrpSpPr>
+      <p:grpSpPr>
+        <a:xfrm>
+          <a:off x="0" y="0"/>
+          <a:ext cx="0" cy="0"/>
+          <a:chOff x="0" y="0"/>
+          <a:chExt cx="0" cy="0"/>
+        </a:xfrm>
+      </p:grpSpPr>
+      <p:sp>
+        <p:nvSpPr>
+          <p:cNvPr id="2" name="Titre 1"/>
+          <p:cNvSpPr>
+            <a:spLocks noGrp="1"/>
+          </p:cNvSpPr>
+          <p:nvPr>
+            <p:ph type="title"/>
+          </p:nvPr>
+        </p:nvSpPr>
+        <p:spPr>
+          <a:xfrm>
+            <a:off x="0" y="0"/>
             <a:ext cx="9905998" cy="1905000"/>
           </a:xfrm>
         </p:spPr>
@@ -7326,18 +8117,27 @@
           <a:p>
             <a:r>
               <a:rPr lang="fr-CA" sz="2400" dirty="0" smtClean="0"/>
-              <a:t>Préhenseur en équerre actionné par un servomoteur;</a:t>
+              <a:t>Préhenseur </a:t>
+            </a:r>
+            <a:r>
+              <a:rPr lang="fr-CA" sz="2400" dirty="0" smtClean="0"/>
+              <a:t>actionné </a:t>
+            </a:r>
+            <a:r>
+              <a:rPr lang="fr-CA" sz="2400" dirty="0" smtClean="0"/>
+              <a:t>par un servomoteur;</a:t>
             </a:r>
           </a:p>
           <a:p>
             <a:r>
               <a:rPr lang="fr-CA" sz="2400" dirty="0"/>
-              <a:t>Circuit de charge/décharge avec régulation de </a:t>
+              <a:t>Circuit de charge/décharge </a:t>
             </a:r>
             <a:r>
               <a:rPr lang="fr-CA" sz="2400" dirty="0" smtClean="0"/>
-              <a:t>courant;</a:t>
-            </a:r>
+              <a:t>à courant fixe;</a:t>
+            </a:r>
+            <a:endParaRPr lang="fr-CA" sz="2400" dirty="0" smtClean="0"/>
           </a:p>
           <a:p>
             <a:r>
@@ -7363,8 +8163,24 @@
           </a:p>
           <a:p>
             <a:r>
+              <a:rPr lang="fr-CA" sz="2400" dirty="0"/>
+              <a:t>5</a:t>
+            </a:r>
+            <a:r>
               <a:rPr lang="fr-CA" sz="2400" dirty="0" smtClean="0"/>
-              <a:t>X farads et tension de x volts.</a:t>
+              <a:t> </a:t>
+            </a:r>
+            <a:r>
+              <a:rPr lang="fr-CA" sz="2400" dirty="0" smtClean="0"/>
+              <a:t>farads et tension de </a:t>
+            </a:r>
+            <a:r>
+              <a:rPr lang="fr-CA" sz="2400" dirty="0" smtClean="0"/>
+              <a:t>5 </a:t>
+            </a:r>
+            <a:r>
+              <a:rPr lang="fr-CA" sz="2400" dirty="0" smtClean="0"/>
+              <a:t>volts.</a:t>
             </a:r>
           </a:p>
           <a:p>
@@ -7450,99 +8266,6 @@
 </p:sld>
 </file>
 
-<file path=ppt/slides/slide8.xml><?xml version="1.0" encoding="utf-8"?>
-<p:sld xmlns:a="http://schemas.openxmlformats.org/drawingml/2006/main" xmlns:r="http://schemas.openxmlformats.org/officeDocument/2006/relationships" xmlns:p="http://schemas.openxmlformats.org/presentationml/2006/main">
-  <p:cSld>
-    <p:spTree>
-      <p:nvGrpSpPr>
-        <p:cNvPr id="1" name=""/>
-        <p:cNvGrpSpPr/>
-        <p:nvPr/>
-      </p:nvGrpSpPr>
-      <p:grpSpPr>
-        <a:xfrm>
-          <a:off x="0" y="0"/>
-          <a:ext cx="0" cy="0"/>
-          <a:chOff x="0" y="0"/>
-          <a:chExt cx="0" cy="0"/>
-        </a:xfrm>
-      </p:grpSpPr>
-      <p:sp>
-        <p:nvSpPr>
-          <p:cNvPr id="2" name="Titre 1"/>
-          <p:cNvSpPr>
-            <a:spLocks noGrp="1"/>
-          </p:cNvSpPr>
-          <p:nvPr>
-            <p:ph type="title"/>
-          </p:nvPr>
-        </p:nvSpPr>
-        <p:spPr>
-          <a:xfrm>
-            <a:off x="0" y="0"/>
-            <a:ext cx="9905998" cy="1905000"/>
-          </a:xfrm>
-        </p:spPr>
-        <p:txBody>
-          <a:bodyPr>
-            <a:normAutofit/>
-          </a:bodyPr>
-          <a:lstStyle/>
-          <a:p>
-            <a:r>
-              <a:rPr lang="fr-CA" sz="3600" b="1" i="1" dirty="0" smtClean="0"/>
-              <a:t>Induction pour recharge</a:t>
-            </a:r>
-            <a:endParaRPr lang="fr-CA" sz="3600" b="1" i="1" dirty="0"/>
-          </a:p>
-        </p:txBody>
-      </p:sp>
-      <p:sp>
-        <p:nvSpPr>
-          <p:cNvPr id="3" name="Espace réservé du contenu 2"/>
-          <p:cNvSpPr>
-            <a:spLocks noGrp="1"/>
-          </p:cNvSpPr>
-          <p:nvPr>
-            <p:ph idx="1"/>
-          </p:nvPr>
-        </p:nvSpPr>
-        <p:spPr>
-          <a:xfrm>
-            <a:off x="0" y="2245658"/>
-            <a:ext cx="9905998" cy="3124201"/>
-          </a:xfrm>
-        </p:spPr>
-        <p:txBody>
-          <a:bodyPr>
-            <a:normAutofit/>
-          </a:bodyPr>
-          <a:lstStyle/>
-          <a:p>
-            <a:endParaRPr lang="fr-CA" sz="2400" dirty="0"/>
-          </a:p>
-        </p:txBody>
-      </p:sp>
-    </p:spTree>
-    <p:extLst>
-      <p:ext uri="{BB962C8B-B14F-4D97-AF65-F5344CB8AC3E}">
-        <p14:creationId xmlns:p14="http://schemas.microsoft.com/office/powerpoint/2010/main" val="1966553659"/>
-      </p:ext>
-    </p:extLst>
-  </p:cSld>
-  <p:clrMapOvr>
-    <a:masterClrMapping/>
-  </p:clrMapOvr>
-  <p:timing>
-    <p:tnLst>
-      <p:par>
-        <p:cTn id="1" dur="indefinite" restart="never" nodeType="tmRoot"/>
-      </p:par>
-    </p:tnLst>
-  </p:timing>
-</p:sld>
-</file>
-
 <file path=ppt/slides/slide9.xml><?xml version="1.0" encoding="utf-8"?>
 <p:sld xmlns:a="http://schemas.openxmlformats.org/drawingml/2006/main" xmlns:r="http://schemas.openxmlformats.org/officeDocument/2006/relationships" xmlns:p="http://schemas.openxmlformats.org/presentationml/2006/main">
   <p:cSld>
@@ -7584,7 +8307,7 @@
           <a:p>
             <a:r>
               <a:rPr lang="fr-CA" sz="3600" b="1" i="1" dirty="0" smtClean="0"/>
-              <a:t>Interface de la station de base</a:t>
+              <a:t>Induction pour recharge</a:t>
             </a:r>
             <a:endParaRPr lang="fr-CA" sz="3600" b="1" i="1" dirty="0"/>
           </a:p>
@@ -7612,14 +8335,104 @@
           </a:bodyPr>
           <a:lstStyle/>
           <a:p>
+            <a:r>
+              <a:rPr lang="fr-CA" sz="2400" dirty="0" smtClean="0"/>
+              <a:t>Alimentation de 5VDC;</a:t>
+            </a:r>
+          </a:p>
+          <a:p>
+            <a:r>
+              <a:rPr lang="fr-CA" sz="2400" dirty="0" smtClean="0"/>
+              <a:t>Hachage par un MOSFET;</a:t>
+            </a:r>
+          </a:p>
+          <a:p>
+            <a:r>
+              <a:rPr lang="fr-CA" sz="2400" dirty="0" smtClean="0"/>
+              <a:t>Rapport de transformation de 3;</a:t>
+            </a:r>
+          </a:p>
+          <a:p>
+            <a:r>
+              <a:rPr lang="fr-CA" sz="2400" dirty="0" smtClean="0"/>
+              <a:t>Redresseur double alternance;</a:t>
+            </a:r>
+          </a:p>
+          <a:p>
+            <a:r>
+              <a:rPr lang="fr-CA" sz="2400" dirty="0" smtClean="0"/>
+              <a:t>Interrupteur électronique d’arrêt;</a:t>
+            </a:r>
+          </a:p>
+          <a:p>
+            <a:r>
+              <a:rPr lang="fr-CA" sz="2400" dirty="0" smtClean="0"/>
+              <a:t>Tension de charge finale de 5V.</a:t>
+            </a:r>
             <a:endParaRPr lang="fr-CA" sz="2400" dirty="0"/>
           </a:p>
         </p:txBody>
       </p:sp>
+      <p:pic>
+        <p:nvPicPr>
+          <p:cNvPr id="4" name="Image 3"/>
+          <p:cNvPicPr>
+            <a:picLocks noChangeAspect="1"/>
+          </p:cNvPicPr>
+          <p:nvPr/>
+        </p:nvPicPr>
+        <p:blipFill>
+          <a:blip r:embed="rId2" cstate="print">
+            <a:extLst>
+              <a:ext uri="{28A0092B-C50C-407E-A947-70E740481C1C}">
+                <a14:useLocalDpi xmlns:a14="http://schemas.microsoft.com/office/drawing/2010/main" val="0"/>
+              </a:ext>
+            </a:extLst>
+          </a:blip>
+          <a:stretch>
+            <a:fillRect/>
+          </a:stretch>
+        </p:blipFill>
+        <p:spPr>
+          <a:xfrm rot="5400000">
+            <a:off x="8291145" y="3109546"/>
+            <a:ext cx="3393831" cy="3393831"/>
+          </a:xfrm>
+          <a:prstGeom prst="roundRect">
+            <a:avLst>
+              <a:gd name="adj" fmla="val 4167"/>
+            </a:avLst>
+          </a:prstGeom>
+          <a:solidFill>
+            <a:srgbClr val="FFFFFF"/>
+          </a:solidFill>
+          <a:ln w="76200" cap="sq">
+            <a:solidFill>
+              <a:srgbClr val="292929"/>
+            </a:solidFill>
+            <a:miter lim="800000"/>
+          </a:ln>
+          <a:effectLst>
+            <a:reflection blurRad="12700" stA="28000" endPos="28000" dist="5000" dir="5400000" sy="-100000" algn="bl" rotWithShape="0"/>
+          </a:effectLst>
+          <a:scene3d>
+            <a:camera prst="orthographicFront"/>
+            <a:lightRig rig="threePt" dir="t">
+              <a:rot lat="0" lon="0" rev="2700000"/>
+            </a:lightRig>
+          </a:scene3d>
+          <a:sp3d>
+            <a:bevelT h="38100"/>
+            <a:contourClr>
+              <a:srgbClr val="C0C0C0"/>
+            </a:contourClr>
+          </a:sp3d>
+        </p:spPr>
+      </p:pic>
     </p:spTree>
     <p:extLst>
       <p:ext uri="{BB962C8B-B14F-4D97-AF65-F5344CB8AC3E}">
-        <p14:creationId xmlns:p14="http://schemas.microsoft.com/office/powerpoint/2010/main" val="1637746881"/>
+        <p14:creationId xmlns:p14="http://schemas.microsoft.com/office/powerpoint/2010/main" val="1966553659"/>
       </p:ext>
     </p:extLst>
   </p:cSld>

--- a/Planification/Design III (intégration).pptx
+++ b/Planification/Design III (intégration).pptx
@@ -338,7 +338,7 @@
           <a:p>
             <a:fld id="{7B01047F-0817-431C-8A15-F87B2D56812B}" type="datetimeFigureOut">
               <a:rPr lang="fr-CA" smtClean="0"/>
-              <a:t>2016-02-23</a:t>
+              <a:t>2016-02-24</a:t>
             </a:fld>
             <a:endParaRPr lang="fr-CA"/>
           </a:p>
@@ -629,7 +629,7 @@
           <a:p>
             <a:fld id="{7B01047F-0817-431C-8A15-F87B2D56812B}" type="datetimeFigureOut">
               <a:rPr lang="fr-CA" smtClean="0"/>
-              <a:t>2016-02-23</a:t>
+              <a:t>2016-02-24</a:t>
             </a:fld>
             <a:endParaRPr lang="fr-CA"/>
           </a:p>
@@ -888,7 +888,7 @@
           <a:p>
             <a:fld id="{7B01047F-0817-431C-8A15-F87B2D56812B}" type="datetimeFigureOut">
               <a:rPr lang="fr-CA" smtClean="0"/>
-              <a:t>2016-02-23</a:t>
+              <a:t>2016-02-24</a:t>
             </a:fld>
             <a:endParaRPr lang="fr-CA"/>
           </a:p>
@@ -1357,7 +1357,7 @@
           <a:p>
             <a:fld id="{7B01047F-0817-431C-8A15-F87B2D56812B}" type="datetimeFigureOut">
               <a:rPr lang="fr-CA" smtClean="0"/>
-              <a:t>2016-02-23</a:t>
+              <a:t>2016-02-24</a:t>
             </a:fld>
             <a:endParaRPr lang="fr-CA"/>
           </a:p>
@@ -1537,7 +1537,7 @@
           <a:p>
             <a:fld id="{7B01047F-0817-431C-8A15-F87B2D56812B}" type="datetimeFigureOut">
               <a:rPr lang="fr-CA" smtClean="0"/>
-              <a:t>2016-02-23</a:t>
+              <a:t>2016-02-24</a:t>
             </a:fld>
             <a:endParaRPr lang="fr-CA"/>
           </a:p>
@@ -2113,7 +2113,7 @@
           <a:p>
             <a:fld id="{7B01047F-0817-431C-8A15-F87B2D56812B}" type="datetimeFigureOut">
               <a:rPr lang="fr-CA" smtClean="0"/>
-              <a:t>2016-02-23</a:t>
+              <a:t>2016-02-24</a:t>
             </a:fld>
             <a:endParaRPr lang="fr-CA"/>
           </a:p>
@@ -2445,7 +2445,7 @@
           <a:p>
             <a:fld id="{7B01047F-0817-431C-8A15-F87B2D56812B}" type="datetimeFigureOut">
               <a:rPr lang="fr-CA" smtClean="0"/>
-              <a:t>2016-02-23</a:t>
+              <a:t>2016-02-24</a:t>
             </a:fld>
             <a:endParaRPr lang="fr-CA"/>
           </a:p>
@@ -2620,7 +2620,7 @@
           <a:p>
             <a:fld id="{7B01047F-0817-431C-8A15-F87B2D56812B}" type="datetimeFigureOut">
               <a:rPr lang="fr-CA" smtClean="0"/>
-              <a:t>2016-02-23</a:t>
+              <a:t>2016-02-24</a:t>
             </a:fld>
             <a:endParaRPr lang="fr-CA"/>
           </a:p>
@@ -2800,7 +2800,7 @@
           <a:p>
             <a:fld id="{7B01047F-0817-431C-8A15-F87B2D56812B}" type="datetimeFigureOut">
               <a:rPr lang="fr-CA" smtClean="0"/>
-              <a:t>2016-02-23</a:t>
+              <a:t>2016-02-24</a:t>
             </a:fld>
             <a:endParaRPr lang="fr-CA"/>
           </a:p>
@@ -2970,7 +2970,7 @@
           <a:p>
             <a:fld id="{7B01047F-0817-431C-8A15-F87B2D56812B}" type="datetimeFigureOut">
               <a:rPr lang="fr-CA" smtClean="0"/>
-              <a:t>2016-02-23</a:t>
+              <a:t>2016-02-24</a:t>
             </a:fld>
             <a:endParaRPr lang="fr-CA"/>
           </a:p>
@@ -3227,7 +3227,7 @@
           <a:p>
             <a:fld id="{7B01047F-0817-431C-8A15-F87B2D56812B}" type="datetimeFigureOut">
               <a:rPr lang="fr-CA" smtClean="0"/>
-              <a:t>2016-02-23</a:t>
+              <a:t>2016-02-24</a:t>
             </a:fld>
             <a:endParaRPr lang="fr-CA"/>
           </a:p>
@@ -3519,7 +3519,7 @@
           <a:p>
             <a:fld id="{7B01047F-0817-431C-8A15-F87B2D56812B}" type="datetimeFigureOut">
               <a:rPr lang="fr-CA" smtClean="0"/>
-              <a:t>2016-02-23</a:t>
+              <a:t>2016-02-24</a:t>
             </a:fld>
             <a:endParaRPr lang="fr-CA"/>
           </a:p>
@@ -3949,7 +3949,7 @@
           <a:p>
             <a:fld id="{7B01047F-0817-431C-8A15-F87B2D56812B}" type="datetimeFigureOut">
               <a:rPr lang="fr-CA" smtClean="0"/>
-              <a:t>2016-02-23</a:t>
+              <a:t>2016-02-24</a:t>
             </a:fld>
             <a:endParaRPr lang="fr-CA"/>
           </a:p>
@@ -4067,7 +4067,7 @@
           <a:p>
             <a:fld id="{7B01047F-0817-431C-8A15-F87B2D56812B}" type="datetimeFigureOut">
               <a:rPr lang="fr-CA" smtClean="0"/>
-              <a:t>2016-02-23</a:t>
+              <a:t>2016-02-24</a:t>
             </a:fld>
             <a:endParaRPr lang="fr-CA"/>
           </a:p>
@@ -4162,7 +4162,7 @@
           <a:p>
             <a:fld id="{7B01047F-0817-431C-8A15-F87B2D56812B}" type="datetimeFigureOut">
               <a:rPr lang="fr-CA" smtClean="0"/>
-              <a:t>2016-02-23</a:t>
+              <a:t>2016-02-24</a:t>
             </a:fld>
             <a:endParaRPr lang="fr-CA"/>
           </a:p>
@@ -4445,7 +4445,7 @@
           <a:p>
             <a:fld id="{7B01047F-0817-431C-8A15-F87B2D56812B}" type="datetimeFigureOut">
               <a:rPr lang="fr-CA" smtClean="0"/>
-              <a:t>2016-02-23</a:t>
+              <a:t>2016-02-24</a:t>
             </a:fld>
             <a:endParaRPr lang="fr-CA"/>
           </a:p>
@@ -4736,7 +4736,7 @@
           <a:p>
             <a:fld id="{7B01047F-0817-431C-8A15-F87B2D56812B}" type="datetimeFigureOut">
               <a:rPr lang="fr-CA" smtClean="0"/>
-              <a:t>2016-02-23</a:t>
+              <a:t>2016-02-24</a:t>
             </a:fld>
             <a:endParaRPr lang="fr-CA"/>
           </a:p>
@@ -4967,7 +4967,7 @@
           <a:p>
             <a:fld id="{7B01047F-0817-431C-8A15-F87B2D56812B}" type="datetimeFigureOut">
               <a:rPr lang="fr-CA" smtClean="0"/>
-              <a:t>2016-02-23</a:t>
+              <a:t>2016-02-24</a:t>
             </a:fld>
             <a:endParaRPr lang="fr-CA"/>
           </a:p>
@@ -6174,8 +6174,23 @@
           <a:p>
             <a:r>
               <a:rPr lang="fr-CA" sz="2400" dirty="0" smtClean="0"/>
-              <a:t>Carte virtuelle et rendu en temps réel;</a:t>
-            </a:r>
+              <a:t>Carte virtuelle et rendu en temps réel</a:t>
+            </a:r>
+            <a:r>
+              <a:rPr lang="fr-CA" sz="2400" dirty="0" smtClean="0"/>
+              <a:t>;</a:t>
+            </a:r>
+          </a:p>
+          <a:p>
+            <a:r>
+              <a:rPr lang="fr-CA" sz="2400" dirty="0"/>
+              <a:t>Affichage de la position et de l’orientation du robot</a:t>
+            </a:r>
+            <a:r>
+              <a:rPr lang="fr-CA" sz="2400" dirty="0" smtClean="0"/>
+              <a:t>;</a:t>
+            </a:r>
+            <a:endParaRPr lang="fr-CA" sz="2400" dirty="0" smtClean="0"/>
           </a:p>
           <a:p>
             <a:r>
@@ -6191,30 +6206,24 @@
           </a:p>
           <a:p>
             <a:r>
-              <a:rPr lang="fr-CA" sz="2400" dirty="0"/>
-              <a:t>Affichage de la position et de l’orientation du </a:t>
-            </a:r>
-            <a:r>
               <a:rPr lang="fr-CA" sz="2400" dirty="0" smtClean="0"/>
-              <a:t>robot</a:t>
-            </a:r>
-            <a:r>
-              <a:rPr lang="fr-CA" sz="2400" dirty="0"/>
-              <a:t>;</a:t>
+              <a:t>Informations </a:t>
+            </a:r>
+            <a:r>
+              <a:rPr lang="fr-CA" sz="2400" dirty="0" smtClean="0"/>
+              <a:t>sur l’île cible;</a:t>
+            </a:r>
+          </a:p>
+          <a:p>
+            <a:r>
+              <a:rPr lang="fr-CA" sz="2400" dirty="0" smtClean="0"/>
+              <a:t>Bouton de démarrage de la </a:t>
+            </a:r>
+            <a:r>
+              <a:rPr lang="fr-CA" sz="2400" dirty="0" smtClean="0"/>
+              <a:t>routine;</a:t>
             </a:r>
             <a:endParaRPr lang="fr-CA" sz="2400" dirty="0" smtClean="0"/>
-          </a:p>
-          <a:p>
-            <a:r>
-              <a:rPr lang="fr-CA" sz="2400" dirty="0" smtClean="0"/>
-              <a:t>Informations sur l’île cible;</a:t>
-            </a:r>
-          </a:p>
-          <a:p>
-            <a:r>
-              <a:rPr lang="fr-CA" sz="2400" dirty="0" smtClean="0"/>
-              <a:t>Bouton de démarrage de la routine.</a:t>
-            </a:r>
           </a:p>
           <a:p>
             <a:r>
@@ -6225,10 +6234,103 @@
               <a:rPr lang="fr-CA" sz="2400" dirty="0" err="1" smtClean="0"/>
               <a:t>PyQT</a:t>
             </a:r>
+            <a:r>
+              <a:rPr lang="fr-CA" sz="2400" dirty="0" smtClean="0"/>
+              <a:t>.</a:t>
+            </a:r>
             <a:endParaRPr lang="fr-CA" sz="2400" dirty="0" smtClean="0"/>
           </a:p>
         </p:txBody>
       </p:sp>
+      <p:pic>
+        <p:nvPicPr>
+          <p:cNvPr id="4" name="Picture 3"/>
+          <p:cNvPicPr>
+            <a:picLocks noChangeAspect="1" noChangeArrowheads="1"/>
+          </p:cNvPicPr>
+          <p:nvPr/>
+        </p:nvPicPr>
+        <p:blipFill>
+          <a:blip r:embed="rId2" cstate="print">
+            <a:extLst>
+              <a:ext uri="{28A0092B-C50C-407E-A947-70E740481C1C}">
+                <a14:useLocalDpi xmlns:a14="http://schemas.microsoft.com/office/drawing/2010/main" val="0"/>
+              </a:ext>
+            </a:extLst>
+          </a:blip>
+          <a:srcRect/>
+          <a:stretch>
+            <a:fillRect/>
+          </a:stretch>
+        </p:blipFill>
+        <p:spPr bwMode="auto">
+          <a:xfrm>
+            <a:off x="6660776" y="3967607"/>
+            <a:ext cx="5253318" cy="2640861"/>
+          </a:xfrm>
+          <a:prstGeom prst="roundRect">
+            <a:avLst>
+              <a:gd name="adj" fmla="val 4167"/>
+            </a:avLst>
+          </a:prstGeom>
+          <a:solidFill>
+            <a:srgbClr val="FFFFFF"/>
+          </a:solidFill>
+          <a:ln w="76200" cap="sq">
+            <a:solidFill>
+              <a:srgbClr val="292929"/>
+            </a:solidFill>
+            <a:miter lim="800000"/>
+          </a:ln>
+          <a:effectLst>
+            <a:reflection blurRad="12700" stA="28000" endPos="28000" dist="5000" dir="5400000" sy="-100000" algn="bl" rotWithShape="0"/>
+          </a:effectLst>
+          <a:scene3d>
+            <a:camera prst="orthographicFront"/>
+            <a:lightRig rig="threePt" dir="t">
+              <a:rot lat="0" lon="0" rev="2700000"/>
+            </a:lightRig>
+          </a:scene3d>
+          <a:sp3d>
+            <a:bevelT h="38100"/>
+            <a:contourClr>
+              <a:srgbClr val="C0C0C0"/>
+            </a:contourClr>
+          </a:sp3d>
+          <a:extLst>
+            <a:ext uri="{909E8E84-426E-40DD-AFC4-6F175D3DCCD1}">
+              <a14:hiddenFill xmlns:a14="http://schemas.microsoft.com/office/drawing/2010/main">
+                <a:blipFill dpi="0" rotWithShape="0">
+                  <a:blip/>
+                  <a:srcRect/>
+                  <a:stretch>
+                    <a:fillRect/>
+                  </a:stretch>
+                </a:blipFill>
+              </a14:hiddenFill>
+            </a:ext>
+            <a:ext uri="{91240B29-F687-4F45-9708-019B960494DF}">
+              <a14:hiddenLine xmlns:a14="http://schemas.microsoft.com/office/drawing/2010/main" w="9525" cap="flat">
+                <a:solidFill>
+                  <a:srgbClr val="808080"/>
+                </a:solidFill>
+                <a:round/>
+                <a:headEnd/>
+                <a:tailEnd/>
+              </a14:hiddenLine>
+            </a:ext>
+            <a:ext uri="{AF507438-7753-43E0-B8FC-AC1667EBCBE1}">
+              <a14:hiddenEffects xmlns:a14="http://schemas.microsoft.com/office/drawing/2010/main">
+                <a:effectLst>
+                  <a:outerShdw dist="35921" dir="2700000" algn="ctr" rotWithShape="0">
+                    <a:srgbClr val="808080"/>
+                  </a:outerShdw>
+                </a:effectLst>
+              </a14:hiddenEffects>
+            </a:ext>
+          </a:extLst>
+        </p:spPr>
+      </p:pic>
     </p:spTree>
     <p:extLst>
       <p:ext uri="{BB962C8B-B14F-4D97-AF65-F5344CB8AC3E}">
@@ -6419,15 +6521,7 @@
               <a:srgbClr val="C0C0C0"/>
             </a:contourClr>
           </a:sp3d>
-          <a:extLst>
-            <a:ext uri="{909E8E84-426E-40DD-AFC4-6F175D3DCCD1}">
-              <a14:hiddenFill xmlns:a14="http://schemas.microsoft.com/office/drawing/2010/main">
-                <a:solidFill>
-                  <a:srgbClr val="FFFFFF"/>
-                </a:solidFill>
-              </a14:hiddenFill>
-            </a:ext>
-          </a:extLst>
+          <a:extLst/>
         </p:spPr>
       </p:pic>
     </p:spTree>
@@ -6730,34 +6824,29 @@
           <a:p>
             <a:r>
               <a:rPr lang="fr-CA" sz="2400" dirty="0" smtClean="0"/>
-              <a:t>Horloge basse fréquence</a:t>
+              <a:t>Horloge basse fréquence;</a:t>
+            </a:r>
+          </a:p>
+          <a:p>
+            <a:r>
+              <a:rPr lang="fr-CA" sz="2400" dirty="0"/>
+              <a:t>Circuit d’amplification des signaux </a:t>
+            </a:r>
+            <a:r>
+              <a:rPr lang="fr-CA" sz="2400" dirty="0" smtClean="0"/>
+              <a:t>reçus;</a:t>
+            </a:r>
+            <a:endParaRPr lang="fr-CA" sz="2400" dirty="0"/>
+          </a:p>
+          <a:p>
+            <a:r>
+              <a:rPr lang="fr-CA" sz="2400" dirty="0"/>
+              <a:t>Transmissions séparées du code et de l’horloge</a:t>
             </a:r>
             <a:r>
               <a:rPr lang="fr-CA" sz="2400" dirty="0" smtClean="0"/>
               <a:t>;</a:t>
             </a:r>
-          </a:p>
-          <a:p>
-            <a:r>
-              <a:rPr lang="fr-CA" sz="2400" dirty="0"/>
-              <a:t>Circuit d’amplification des signaux </a:t>
-            </a:r>
-            <a:r>
-              <a:rPr lang="fr-CA" sz="2400" dirty="0" smtClean="0"/>
-              <a:t>reçus;</a:t>
-            </a:r>
-            <a:endParaRPr lang="fr-CA" sz="2400" dirty="0"/>
-          </a:p>
-          <a:p>
-            <a:r>
-              <a:rPr lang="fr-CA" sz="2400" dirty="0"/>
-              <a:t>Transmissions séparées du code et de l’horloge</a:t>
-            </a:r>
-            <a:r>
-              <a:rPr lang="fr-CA" sz="2400" dirty="0" smtClean="0"/>
-              <a:t>;</a:t>
-            </a:r>
-            <a:endParaRPr lang="fr-CA" sz="2400" dirty="0" smtClean="0"/>
           </a:p>
           <a:p>
             <a:r>
@@ -7016,15 +7105,7 @@
               <a:srgbClr val="C0C0C0"/>
             </a:contourClr>
           </a:sp3d>
-          <a:extLst>
-            <a:ext uri="{909E8E84-426E-40DD-AFC4-6F175D3DCCD1}">
-              <a14:hiddenFill xmlns:a14="http://schemas.microsoft.com/office/drawing/2010/main">
-                <a:solidFill>
-                  <a:srgbClr val="FFFFFF"/>
-                </a:solidFill>
-              </a14:hiddenFill>
-            </a:ext>
-          </a:extLst>
+          <a:extLst/>
         </p:spPr>
       </p:pic>
     </p:spTree>
@@ -7289,64 +7370,38 @@
           <a:p>
             <a:r>
               <a:rPr lang="fr-CA" sz="2400" dirty="0" smtClean="0"/>
-              <a:t>Connexion Wifi entre la station de base et l’ordinateur </a:t>
-            </a:r>
+              <a:t>Connexion Wifi entre la station de base et l’ordinateur embarqué;</a:t>
+            </a:r>
+          </a:p>
+          <a:p>
             <a:r>
               <a:rPr lang="fr-CA" sz="2400" dirty="0" smtClean="0"/>
-              <a:t>embarqué;</a:t>
-            </a:r>
-            <a:endParaRPr lang="fr-CA" sz="2400" dirty="0" smtClean="0"/>
+              <a:t>Réseau Local;</a:t>
+            </a:r>
           </a:p>
           <a:p>
             <a:r>
               <a:rPr lang="fr-CA" sz="2400" dirty="0" smtClean="0"/>
-              <a:t>Réseau </a:t>
-            </a:r>
+              <a:t>Protocole TCP;</a:t>
+            </a:r>
+          </a:p>
+          <a:p>
             <a:r>
               <a:rPr lang="fr-CA" sz="2400" dirty="0" smtClean="0"/>
-              <a:t>Local;</a:t>
-            </a:r>
-            <a:endParaRPr lang="fr-CA" sz="2400" dirty="0" smtClean="0"/>
-          </a:p>
-          <a:p>
-            <a:r>
-              <a:rPr lang="fr-CA" sz="2400" dirty="0" smtClean="0"/>
-              <a:t>Protocole </a:t>
-            </a:r>
-            <a:r>
-              <a:rPr lang="fr-CA" sz="2400" dirty="0" smtClean="0"/>
-              <a:t>TCP;</a:t>
-            </a:r>
-            <a:endParaRPr lang="fr-CA" sz="2400" dirty="0" smtClean="0"/>
-          </a:p>
-          <a:p>
-            <a:r>
-              <a:rPr lang="fr-CA" sz="2400" dirty="0" smtClean="0"/>
-              <a:t>Résistant à la perte de </a:t>
-            </a:r>
-            <a:r>
-              <a:rPr lang="fr-CA" sz="2400" dirty="0" smtClean="0"/>
-              <a:t>paquet;</a:t>
-            </a:r>
-            <a:endParaRPr lang="fr-CA" sz="2400" dirty="0" smtClean="0"/>
+              <a:t>Résistant à la perte de paquet;</a:t>
+            </a:r>
           </a:p>
           <a:p>
             <a:r>
               <a:rPr lang="fr-CA" sz="2400" dirty="0" smtClean="0"/>
               <a:t>Serveur/Client;</a:t>
             </a:r>
-            <a:endParaRPr lang="fr-CA" sz="2400" dirty="0" smtClean="0"/>
           </a:p>
           <a:p>
             <a:r>
               <a:rPr lang="fr-CA" sz="2400" dirty="0" smtClean="0"/>
-              <a:t>Échange de fichier </a:t>
-            </a:r>
-            <a:r>
-              <a:rPr lang="fr-CA" sz="2400" dirty="0" smtClean="0"/>
-              <a:t>JSON</a:t>
-            </a:r>
-            <a:endParaRPr lang="fr-CA" sz="2400" dirty="0" smtClean="0"/>
+              <a:t>Échange de fichier JSON</a:t>
+            </a:r>
           </a:p>
           <a:p>
             <a:endParaRPr lang="fr-CA" sz="2400" dirty="0"/>
@@ -7606,21 +7661,13 @@
           <a:p>
             <a:r>
               <a:rPr lang="fr-CA" sz="2400" dirty="0" smtClean="0"/>
-              <a:t>Caméra monde g</a:t>
-            </a:r>
+              <a:t>Caméra monde gérée par la station de base</a:t>
+            </a:r>
+          </a:p>
+          <a:p>
             <a:r>
               <a:rPr lang="fr-CA" sz="2400" dirty="0" smtClean="0"/>
-              <a:t>érée par la station de base</a:t>
-            </a:r>
-          </a:p>
-          <a:p>
-            <a:r>
-              <a:rPr lang="fr-CA" sz="2400" dirty="0" smtClean="0"/>
-              <a:t>Caméra embarquée gérée par l’ordi embarqu</a:t>
-            </a:r>
-            <a:r>
-              <a:rPr lang="fr-CA" sz="2400" dirty="0" smtClean="0"/>
-              <a:t>é</a:t>
+              <a:t>Caméra embarquée gérée par l’ordi embarqué</a:t>
             </a:r>
           </a:p>
           <a:p>
@@ -7759,7 +7806,6 @@
               <a:rPr lang="fr-CA" sz="2400" dirty="0" smtClean="0"/>
               <a:t>tension;</a:t>
             </a:r>
-            <a:endParaRPr lang="fr-CA" sz="2400" dirty="0" smtClean="0"/>
           </a:p>
           <a:p>
             <a:r>
@@ -8117,15 +8163,7 @@
           <a:p>
             <a:r>
               <a:rPr lang="fr-CA" sz="2400" dirty="0" smtClean="0"/>
-              <a:t>Préhenseur </a:t>
-            </a:r>
-            <a:r>
-              <a:rPr lang="fr-CA" sz="2400" dirty="0" smtClean="0"/>
-              <a:t>actionné </a:t>
-            </a:r>
-            <a:r>
-              <a:rPr lang="fr-CA" sz="2400" dirty="0" smtClean="0"/>
-              <a:t>par un servomoteur;</a:t>
+              <a:t>Préhenseur actionné par un servomoteur;</a:t>
             </a:r>
           </a:p>
           <a:p>
@@ -8137,7 +8175,6 @@
               <a:rPr lang="fr-CA" sz="2400" dirty="0" smtClean="0"/>
               <a:t>à courant fixe;</a:t>
             </a:r>
-            <a:endParaRPr lang="fr-CA" sz="2400" dirty="0" smtClean="0"/>
           </a:p>
           <a:p>
             <a:r>
@@ -8168,19 +8205,7 @@
             </a:r>
             <a:r>
               <a:rPr lang="fr-CA" sz="2400" dirty="0" smtClean="0"/>
-              <a:t> </a:t>
-            </a:r>
-            <a:r>
-              <a:rPr lang="fr-CA" sz="2400" dirty="0" smtClean="0"/>
-              <a:t>farads et tension de </a:t>
-            </a:r>
-            <a:r>
-              <a:rPr lang="fr-CA" sz="2400" dirty="0" smtClean="0"/>
-              <a:t>5 </a:t>
-            </a:r>
-            <a:r>
-              <a:rPr lang="fr-CA" sz="2400" dirty="0" smtClean="0"/>
-              <a:t>volts.</a:t>
+              <a:t> farads et tension de 5 volts.</a:t>
             </a:r>
           </a:p>
           <a:p>

--- a/Planification/Design III (intégration).pptx
+++ b/Planification/Design III (intégration).pptx
@@ -19,6 +19,7 @@
     <p:sldId id="265" r:id="rId13"/>
     <p:sldId id="267" r:id="rId14"/>
     <p:sldId id="268" r:id="rId15"/>
+    <p:sldId id="271" r:id="rId16"/>
   </p:sldIdLst>
   <p:sldSz cx="12192000" cy="6858000"/>
   <p:notesSz cx="6858000" cy="9144000"/>
@@ -338,7 +339,7 @@
           <a:p>
             <a:fld id="{7B01047F-0817-431C-8A15-F87B2D56812B}" type="datetimeFigureOut">
               <a:rPr lang="fr-CA" smtClean="0"/>
-              <a:t>2016-02-24</a:t>
+              <a:t>2016-02-25</a:t>
             </a:fld>
             <a:endParaRPr lang="fr-CA"/>
           </a:p>
@@ -629,7 +630,7 @@
           <a:p>
             <a:fld id="{7B01047F-0817-431C-8A15-F87B2D56812B}" type="datetimeFigureOut">
               <a:rPr lang="fr-CA" smtClean="0"/>
-              <a:t>2016-02-24</a:t>
+              <a:t>2016-02-25</a:t>
             </a:fld>
             <a:endParaRPr lang="fr-CA"/>
           </a:p>
@@ -888,7 +889,7 @@
           <a:p>
             <a:fld id="{7B01047F-0817-431C-8A15-F87B2D56812B}" type="datetimeFigureOut">
               <a:rPr lang="fr-CA" smtClean="0"/>
-              <a:t>2016-02-24</a:t>
+              <a:t>2016-02-25</a:t>
             </a:fld>
             <a:endParaRPr lang="fr-CA"/>
           </a:p>
@@ -1357,7 +1358,7 @@
           <a:p>
             <a:fld id="{7B01047F-0817-431C-8A15-F87B2D56812B}" type="datetimeFigureOut">
               <a:rPr lang="fr-CA" smtClean="0"/>
-              <a:t>2016-02-24</a:t>
+              <a:t>2016-02-25</a:t>
             </a:fld>
             <a:endParaRPr lang="fr-CA"/>
           </a:p>
@@ -1537,7 +1538,7 @@
           <a:p>
             <a:fld id="{7B01047F-0817-431C-8A15-F87B2D56812B}" type="datetimeFigureOut">
               <a:rPr lang="fr-CA" smtClean="0"/>
-              <a:t>2016-02-24</a:t>
+              <a:t>2016-02-25</a:t>
             </a:fld>
             <a:endParaRPr lang="fr-CA"/>
           </a:p>
@@ -2113,7 +2114,7 @@
           <a:p>
             <a:fld id="{7B01047F-0817-431C-8A15-F87B2D56812B}" type="datetimeFigureOut">
               <a:rPr lang="fr-CA" smtClean="0"/>
-              <a:t>2016-02-24</a:t>
+              <a:t>2016-02-25</a:t>
             </a:fld>
             <a:endParaRPr lang="fr-CA"/>
           </a:p>
@@ -2445,7 +2446,7 @@
           <a:p>
             <a:fld id="{7B01047F-0817-431C-8A15-F87B2D56812B}" type="datetimeFigureOut">
               <a:rPr lang="fr-CA" smtClean="0"/>
-              <a:t>2016-02-24</a:t>
+              <a:t>2016-02-25</a:t>
             </a:fld>
             <a:endParaRPr lang="fr-CA"/>
           </a:p>
@@ -2620,7 +2621,7 @@
           <a:p>
             <a:fld id="{7B01047F-0817-431C-8A15-F87B2D56812B}" type="datetimeFigureOut">
               <a:rPr lang="fr-CA" smtClean="0"/>
-              <a:t>2016-02-24</a:t>
+              <a:t>2016-02-25</a:t>
             </a:fld>
             <a:endParaRPr lang="fr-CA"/>
           </a:p>
@@ -2800,7 +2801,7 @@
           <a:p>
             <a:fld id="{7B01047F-0817-431C-8A15-F87B2D56812B}" type="datetimeFigureOut">
               <a:rPr lang="fr-CA" smtClean="0"/>
-              <a:t>2016-02-24</a:t>
+              <a:t>2016-02-25</a:t>
             </a:fld>
             <a:endParaRPr lang="fr-CA"/>
           </a:p>
@@ -2970,7 +2971,7 @@
           <a:p>
             <a:fld id="{7B01047F-0817-431C-8A15-F87B2D56812B}" type="datetimeFigureOut">
               <a:rPr lang="fr-CA" smtClean="0"/>
-              <a:t>2016-02-24</a:t>
+              <a:t>2016-02-25</a:t>
             </a:fld>
             <a:endParaRPr lang="fr-CA"/>
           </a:p>
@@ -3227,7 +3228,7 @@
           <a:p>
             <a:fld id="{7B01047F-0817-431C-8A15-F87B2D56812B}" type="datetimeFigureOut">
               <a:rPr lang="fr-CA" smtClean="0"/>
-              <a:t>2016-02-24</a:t>
+              <a:t>2016-02-25</a:t>
             </a:fld>
             <a:endParaRPr lang="fr-CA"/>
           </a:p>
@@ -3519,7 +3520,7 @@
           <a:p>
             <a:fld id="{7B01047F-0817-431C-8A15-F87B2D56812B}" type="datetimeFigureOut">
               <a:rPr lang="fr-CA" smtClean="0"/>
-              <a:t>2016-02-24</a:t>
+              <a:t>2016-02-25</a:t>
             </a:fld>
             <a:endParaRPr lang="fr-CA"/>
           </a:p>
@@ -3949,7 +3950,7 @@
           <a:p>
             <a:fld id="{7B01047F-0817-431C-8A15-F87B2D56812B}" type="datetimeFigureOut">
               <a:rPr lang="fr-CA" smtClean="0"/>
-              <a:t>2016-02-24</a:t>
+              <a:t>2016-02-25</a:t>
             </a:fld>
             <a:endParaRPr lang="fr-CA"/>
           </a:p>
@@ -4067,7 +4068,7 @@
           <a:p>
             <a:fld id="{7B01047F-0817-431C-8A15-F87B2D56812B}" type="datetimeFigureOut">
               <a:rPr lang="fr-CA" smtClean="0"/>
-              <a:t>2016-02-24</a:t>
+              <a:t>2016-02-25</a:t>
             </a:fld>
             <a:endParaRPr lang="fr-CA"/>
           </a:p>
@@ -4162,7 +4163,7 @@
           <a:p>
             <a:fld id="{7B01047F-0817-431C-8A15-F87B2D56812B}" type="datetimeFigureOut">
               <a:rPr lang="fr-CA" smtClean="0"/>
-              <a:t>2016-02-24</a:t>
+              <a:t>2016-02-25</a:t>
             </a:fld>
             <a:endParaRPr lang="fr-CA"/>
           </a:p>
@@ -4445,7 +4446,7 @@
           <a:p>
             <a:fld id="{7B01047F-0817-431C-8A15-F87B2D56812B}" type="datetimeFigureOut">
               <a:rPr lang="fr-CA" smtClean="0"/>
-              <a:t>2016-02-24</a:t>
+              <a:t>2016-02-25</a:t>
             </a:fld>
             <a:endParaRPr lang="fr-CA"/>
           </a:p>
@@ -4736,7 +4737,7 @@
           <a:p>
             <a:fld id="{7B01047F-0817-431C-8A15-F87B2D56812B}" type="datetimeFigureOut">
               <a:rPr lang="fr-CA" smtClean="0"/>
-              <a:t>2016-02-24</a:t>
+              <a:t>2016-02-25</a:t>
             </a:fld>
             <a:endParaRPr lang="fr-CA"/>
           </a:p>
@@ -4967,7 +4968,7 @@
           <a:p>
             <a:fld id="{7B01047F-0817-431C-8A15-F87B2D56812B}" type="datetimeFigureOut">
               <a:rPr lang="fr-CA" smtClean="0"/>
-              <a:t>2016-02-24</a:t>
+              <a:t>2016-02-25</a:t>
             </a:fld>
             <a:endParaRPr lang="fr-CA"/>
           </a:p>
@@ -6174,7 +6175,13 @@
           <a:p>
             <a:r>
               <a:rPr lang="fr-CA" sz="2400" dirty="0" smtClean="0"/>
-              <a:t>Carte virtuelle et rendu en temps réel</a:t>
+              <a:t>Carte virtuelle et rendu en temps réel;</a:t>
+            </a:r>
+          </a:p>
+          <a:p>
+            <a:r>
+              <a:rPr lang="fr-CA" sz="2400" dirty="0"/>
+              <a:t>Affichage de la position et de l’orientation du robot</a:t>
             </a:r>
             <a:r>
               <a:rPr lang="fr-CA" sz="2400" dirty="0" smtClean="0"/>
@@ -6183,17 +6190,6 @@
           </a:p>
           <a:p>
             <a:r>
-              <a:rPr lang="fr-CA" sz="2400" dirty="0"/>
-              <a:t>Affichage de la position et de l’orientation du robot</a:t>
-            </a:r>
-            <a:r>
-              <a:rPr lang="fr-CA" sz="2400" dirty="0" smtClean="0"/>
-              <a:t>;</a:t>
-            </a:r>
-            <a:endParaRPr lang="fr-CA" sz="2400" dirty="0" smtClean="0"/>
-          </a:p>
-          <a:p>
-            <a:r>
               <a:rPr lang="fr-CA" sz="2400" dirty="0" smtClean="0"/>
               <a:t>Affichage en parallèle des trajectoires;</a:t>
             </a:r>
@@ -6207,23 +6203,14 @@
           <a:p>
             <a:r>
               <a:rPr lang="fr-CA" sz="2400" dirty="0" smtClean="0"/>
-              <a:t>Informations </a:t>
-            </a:r>
+              <a:t>Informations sur l’île cible;</a:t>
+            </a:r>
+          </a:p>
+          <a:p>
             <a:r>
               <a:rPr lang="fr-CA" sz="2400" dirty="0" smtClean="0"/>
-              <a:t>sur l’île cible;</a:t>
-            </a:r>
-          </a:p>
-          <a:p>
-            <a:r>
-              <a:rPr lang="fr-CA" sz="2400" dirty="0" smtClean="0"/>
-              <a:t>Bouton de démarrage de la </a:t>
-            </a:r>
-            <a:r>
-              <a:rPr lang="fr-CA" sz="2400" dirty="0" smtClean="0"/>
-              <a:t>routine;</a:t>
-            </a:r>
-            <a:endParaRPr lang="fr-CA" sz="2400" dirty="0" smtClean="0"/>
+              <a:t>Bouton de démarrage de la routine;</a:t>
+            </a:r>
           </a:p>
           <a:p>
             <a:r>
@@ -6238,7 +6225,6 @@
               <a:rPr lang="fr-CA" sz="2400" dirty="0" smtClean="0"/>
               <a:t>.</a:t>
             </a:r>
-            <a:endParaRPr lang="fr-CA" sz="2400" dirty="0" smtClean="0"/>
           </a:p>
         </p:txBody>
       </p:sp>
@@ -6298,27 +6284,6 @@
             </a:contourClr>
           </a:sp3d>
           <a:extLst>
-            <a:ext uri="{909E8E84-426E-40DD-AFC4-6F175D3DCCD1}">
-              <a14:hiddenFill xmlns:a14="http://schemas.microsoft.com/office/drawing/2010/main">
-                <a:blipFill dpi="0" rotWithShape="0">
-                  <a:blip/>
-                  <a:srcRect/>
-                  <a:stretch>
-                    <a:fillRect/>
-                  </a:stretch>
-                </a:blipFill>
-              </a14:hiddenFill>
-            </a:ext>
-            <a:ext uri="{91240B29-F687-4F45-9708-019B960494DF}">
-              <a14:hiddenLine xmlns:a14="http://schemas.microsoft.com/office/drawing/2010/main" w="9525" cap="flat">
-                <a:solidFill>
-                  <a:srgbClr val="808080"/>
-                </a:solidFill>
-                <a:round/>
-                <a:headEnd/>
-                <a:tailEnd/>
-              </a14:hiddenLine>
-            </a:ext>
             <a:ext uri="{AF507438-7753-43E0-B8FC-AC1667EBCBE1}">
               <a14:hiddenEffects xmlns:a14="http://schemas.microsoft.com/office/drawing/2010/main">
                 <a:effectLst>
@@ -7125,6 +7090,67 @@
       </p:par>
     </p:tnLst>
   </p:timing>
+</p:sld>
+</file>
+
+<file path=ppt/slides/slide15.xml><?xml version="1.0" encoding="utf-8"?>
+<p:sld xmlns:a="http://schemas.openxmlformats.org/drawingml/2006/main" xmlns:r="http://schemas.openxmlformats.org/officeDocument/2006/relationships" xmlns:p="http://schemas.openxmlformats.org/presentationml/2006/main">
+  <p:cSld>
+    <p:spTree>
+      <p:nvGrpSpPr>
+        <p:cNvPr id="1" name=""/>
+        <p:cNvGrpSpPr/>
+        <p:nvPr/>
+      </p:nvGrpSpPr>
+      <p:grpSpPr>
+        <a:xfrm>
+          <a:off x="0" y="0"/>
+          <a:ext cx="0" cy="0"/>
+          <a:chOff x="0" y="0"/>
+          <a:chExt cx="0" cy="0"/>
+        </a:xfrm>
+      </p:grpSpPr>
+      <p:sp>
+        <p:nvSpPr>
+          <p:cNvPr id="2" name="Titre 1"/>
+          <p:cNvSpPr>
+            <a:spLocks noGrp="1"/>
+          </p:cNvSpPr>
+          <p:nvPr>
+            <p:ph type="title"/>
+          </p:nvPr>
+        </p:nvSpPr>
+        <p:spPr>
+          <a:xfrm>
+            <a:off x="944190" y="2429436"/>
+            <a:ext cx="9905998" cy="1905000"/>
+          </a:xfrm>
+        </p:spPr>
+        <p:txBody>
+          <a:bodyPr>
+            <a:normAutofit/>
+          </a:bodyPr>
+          <a:lstStyle/>
+          <a:p>
+            <a:pPr algn="ctr"/>
+            <a:r>
+              <a:rPr lang="fr-CA" sz="8800" i="1" dirty="0" smtClean="0"/>
+              <a:t>Questions</a:t>
+            </a:r>
+            <a:endParaRPr lang="fr-CA" sz="8800" i="1" dirty="0"/>
+          </a:p>
+        </p:txBody>
+      </p:sp>
+    </p:spTree>
+    <p:extLst>
+      <p:ext uri="{BB962C8B-B14F-4D97-AF65-F5344CB8AC3E}">
+        <p14:creationId xmlns:p14="http://schemas.microsoft.com/office/powerpoint/2010/main" val="1969060612"/>
+      </p:ext>
+    </p:extLst>
+  </p:cSld>
+  <p:clrMapOvr>
+    <a:masterClrMapping/>
+  </p:clrMapOvr>
 </p:sld>
 </file>
 
